--- a/presentation.pptx
+++ b/presentation.pptx
@@ -5,15 +5,18 @@
     <p:sldMasterId id="2147484082" r:id="rId1"/>
   </p:sldMasterIdLst>
   <p:notesMasterIdLst>
-    <p:notesMasterId r:id="rId5"/>
+    <p:notesMasterId r:id="rId8"/>
   </p:notesMasterIdLst>
   <p:handoutMasterIdLst>
-    <p:handoutMasterId r:id="rId6"/>
+    <p:handoutMasterId r:id="rId9"/>
   </p:handoutMasterIdLst>
   <p:sldIdLst>
     <p:sldId id="256" r:id="rId2"/>
     <p:sldId id="262" r:id="rId3"/>
-    <p:sldId id="258" r:id="rId4"/>
+    <p:sldId id="263" r:id="rId4"/>
+    <p:sldId id="264" r:id="rId5"/>
+    <p:sldId id="265" r:id="rId6"/>
+    <p:sldId id="258" r:id="rId7"/>
   </p:sldIdLst>
   <p:sldSz cx="10080625" cy="7559675"/>
   <p:notesSz cx="7772400" cy="10058400"/>
@@ -114,7 +117,7 @@
   </p:defaultTextStyle>
   <p:extLst>
     <p:ext uri="{EFAFB233-063F-42B5-8137-9DF3F51BA10A}">
-      <p15:sldGuideLst xmlns:p15="http://schemas.microsoft.com/office/powerpoint/2012/main"/>
+      <p15:sldGuideLst xmlns:p15="http://schemas.microsoft.com/office/powerpoint/2012/main" xmlns=""/>
     </p:ext>
   </p:extLst>
 </p:presentation>
@@ -1154,8 +1157,410 @@
                 <a:uFillTx/>
               </a:defRPr>
             </a:pPr>
+            <a:fld id="{73FCD25E-08CA-4A46-BC6C-D67AC2EBC0C4}" type="slidenum">
+              <a:t>3</a:t>
+            </a:fld>
+            <a:endParaRPr lang="en-US" sz="1400" b="0" i="0" u="none" strike="noStrike" kern="1200" cap="none" spc="0" baseline="0">
+              <a:solidFill>
+                <a:srgbClr val="000000"/>
+              </a:solidFill>
+              <a:uFillTx/>
+              <a:latin typeface="Liberation Serif" pitchFamily="18"/>
+              <a:ea typeface="DejaVu Sans" pitchFamily="2"/>
+              <a:cs typeface="DejaVu Sans" pitchFamily="2"/>
+            </a:endParaRPr>
+          </a:p>
+        </p:txBody>
+      </p:sp>
+      <p:sp>
+        <p:nvSpPr>
+          <p:cNvPr id="3" name="Slide Image Placeholder 1"/>
+          <p:cNvSpPr>
+            <a:spLocks noGrp="1" noRot="1" noChangeAspect="1"/>
+          </p:cNvSpPr>
+          <p:nvPr>
+            <p:ph type="sldImg"/>
+          </p:nvPr>
+        </p:nvSpPr>
+        <p:spPr>
+          <a:xfrm>
+            <a:off x="1371600" y="763588"/>
+            <a:ext cx="5029200" cy="3771900"/>
+          </a:xfrm>
+          <a:solidFill>
+            <a:srgbClr val="729FCF"/>
+          </a:solidFill>
+          <a:ln w="25402">
+            <a:solidFill>
+              <a:srgbClr val="3465A4"/>
+            </a:solidFill>
+            <a:prstDash val="solid"/>
+          </a:ln>
+        </p:spPr>
+      </p:sp>
+      <p:sp>
+        <p:nvSpPr>
+          <p:cNvPr id="4" name="Notes Placeholder 2"/>
+          <p:cNvSpPr txBox="1">
+            <a:spLocks noGrp="1"/>
+          </p:cNvSpPr>
+          <p:nvPr>
+            <p:ph type="body" sz="quarter" idx="1"/>
+          </p:nvPr>
+        </p:nvSpPr>
+        <p:spPr/>
+        <p:txBody>
+          <a:bodyPr/>
+          <a:lstStyle/>
+          <a:p>
+            <a:endParaRPr lang="nl-NL"/>
+          </a:p>
+        </p:txBody>
+      </p:sp>
+    </p:spTree>
+    <p:extLst>
+      <p:ext uri="{BB962C8B-B14F-4D97-AF65-F5344CB8AC3E}">
+        <p14:creationId xmlns:p14="http://schemas.microsoft.com/office/powerpoint/2010/main" val="3346892058"/>
+      </p:ext>
+    </p:extLst>
+  </p:cSld>
+  <p:clrMapOvr>
+    <a:masterClrMapping/>
+  </p:clrMapOvr>
+</p:notes>
+</file>
+
+<file path=ppt/notesSlides/notesSlide4.xml><?xml version="1.0" encoding="utf-8"?>
+<p:notes xmlns:a="http://schemas.openxmlformats.org/drawingml/2006/main" xmlns:r="http://schemas.openxmlformats.org/officeDocument/2006/relationships" xmlns:p="http://schemas.openxmlformats.org/presentationml/2006/main">
+  <p:cSld>
+    <p:spTree>
+      <p:nvGrpSpPr>
+        <p:cNvPr id="1" name=""/>
+        <p:cNvGrpSpPr/>
+        <p:nvPr/>
+      </p:nvGrpSpPr>
+      <p:grpSpPr>
+        <a:xfrm>
+          <a:off x="0" y="0"/>
+          <a:ext cx="0" cy="0"/>
+          <a:chOff x="0" y="0"/>
+          <a:chExt cx="0" cy="0"/>
+        </a:xfrm>
+      </p:grpSpPr>
+      <p:sp>
+        <p:nvSpPr>
+          <p:cNvPr id="2" name="Slide Number Placeholder 6"/>
+          <p:cNvSpPr txBox="1"/>
+          <p:nvPr/>
+        </p:nvSpPr>
+        <p:spPr>
+          <a:xfrm>
+            <a:off x="4399196" y="9555480"/>
+            <a:ext cx="3372837" cy="502563"/>
+          </a:xfrm>
+          <a:prstGeom prst="rect">
+            <a:avLst/>
+          </a:prstGeom>
+          <a:noFill/>
+          <a:ln cap="flat">
+            <a:noFill/>
+          </a:ln>
+        </p:spPr>
+        <p:txBody>
+          <a:bodyPr vert="horz" wrap="square" lIns="0" tIns="0" rIns="0" bIns="0" anchor="b" anchorCtr="0" compatLnSpc="1">
+            <a:noAutofit/>
+          </a:bodyPr>
+          <a:lstStyle/>
+          <a:p>
+            <a:pPr marL="0" marR="0" lvl="0" indent="0" algn="r" defTabSz="914400" rtl="0" fontAlgn="auto" hangingPunct="0">
+              <a:lnSpc>
+                <a:spcPct val="100000"/>
+              </a:lnSpc>
+              <a:spcBef>
+                <a:spcPts val="0"/>
+              </a:spcBef>
+              <a:spcAft>
+                <a:spcPts val="0"/>
+              </a:spcAft>
+              <a:buNone/>
+              <a:tabLst/>
+              <a:defRPr sz="1800" b="0" i="0" u="none" strike="noStrike" kern="0" cap="none" spc="0" baseline="0">
+                <a:solidFill>
+                  <a:srgbClr val="000000"/>
+                </a:solidFill>
+                <a:uFillTx/>
+              </a:defRPr>
+            </a:pPr>
+            <a:fld id="{73FCD25E-08CA-4A46-BC6C-D67AC2EBC0C4}" type="slidenum">
+              <a:t>4</a:t>
+            </a:fld>
+            <a:endParaRPr lang="en-US" sz="1400" b="0" i="0" u="none" strike="noStrike" kern="1200" cap="none" spc="0" baseline="0">
+              <a:solidFill>
+                <a:srgbClr val="000000"/>
+              </a:solidFill>
+              <a:uFillTx/>
+              <a:latin typeface="Liberation Serif" pitchFamily="18"/>
+              <a:ea typeface="DejaVu Sans" pitchFamily="2"/>
+              <a:cs typeface="DejaVu Sans" pitchFamily="2"/>
+            </a:endParaRPr>
+          </a:p>
+        </p:txBody>
+      </p:sp>
+      <p:sp>
+        <p:nvSpPr>
+          <p:cNvPr id="3" name="Slide Image Placeholder 1"/>
+          <p:cNvSpPr>
+            <a:spLocks noGrp="1" noRot="1" noChangeAspect="1"/>
+          </p:cNvSpPr>
+          <p:nvPr>
+            <p:ph type="sldImg"/>
+          </p:nvPr>
+        </p:nvSpPr>
+        <p:spPr>
+          <a:xfrm>
+            <a:off x="1371600" y="763588"/>
+            <a:ext cx="5029200" cy="3771900"/>
+          </a:xfrm>
+          <a:solidFill>
+            <a:srgbClr val="729FCF"/>
+          </a:solidFill>
+          <a:ln w="25402">
+            <a:solidFill>
+              <a:srgbClr val="3465A4"/>
+            </a:solidFill>
+            <a:prstDash val="solid"/>
+          </a:ln>
+        </p:spPr>
+      </p:sp>
+      <p:sp>
+        <p:nvSpPr>
+          <p:cNvPr id="4" name="Notes Placeholder 2"/>
+          <p:cNvSpPr txBox="1">
+            <a:spLocks noGrp="1"/>
+          </p:cNvSpPr>
+          <p:nvPr>
+            <p:ph type="body" sz="quarter" idx="1"/>
+          </p:nvPr>
+        </p:nvSpPr>
+        <p:spPr/>
+        <p:txBody>
+          <a:bodyPr/>
+          <a:lstStyle/>
+          <a:p>
+            <a:endParaRPr lang="nl-NL"/>
+          </a:p>
+        </p:txBody>
+      </p:sp>
+    </p:spTree>
+    <p:extLst>
+      <p:ext uri="{BB962C8B-B14F-4D97-AF65-F5344CB8AC3E}">
+        <p14:creationId xmlns:p14="http://schemas.microsoft.com/office/powerpoint/2010/main" val="3346892058"/>
+      </p:ext>
+    </p:extLst>
+  </p:cSld>
+  <p:clrMapOvr>
+    <a:masterClrMapping/>
+  </p:clrMapOvr>
+</p:notes>
+</file>
+
+<file path=ppt/notesSlides/notesSlide5.xml><?xml version="1.0" encoding="utf-8"?>
+<p:notes xmlns:a="http://schemas.openxmlformats.org/drawingml/2006/main" xmlns:r="http://schemas.openxmlformats.org/officeDocument/2006/relationships" xmlns:p="http://schemas.openxmlformats.org/presentationml/2006/main">
+  <p:cSld>
+    <p:spTree>
+      <p:nvGrpSpPr>
+        <p:cNvPr id="1" name=""/>
+        <p:cNvGrpSpPr/>
+        <p:nvPr/>
+      </p:nvGrpSpPr>
+      <p:grpSpPr>
+        <a:xfrm>
+          <a:off x="0" y="0"/>
+          <a:ext cx="0" cy="0"/>
+          <a:chOff x="0" y="0"/>
+          <a:chExt cx="0" cy="0"/>
+        </a:xfrm>
+      </p:grpSpPr>
+      <p:sp>
+        <p:nvSpPr>
+          <p:cNvPr id="2" name="Slide Number Placeholder 6"/>
+          <p:cNvSpPr txBox="1"/>
+          <p:nvPr/>
+        </p:nvSpPr>
+        <p:spPr>
+          <a:xfrm>
+            <a:off x="4399196" y="9555480"/>
+            <a:ext cx="3372837" cy="502563"/>
+          </a:xfrm>
+          <a:prstGeom prst="rect">
+            <a:avLst/>
+          </a:prstGeom>
+          <a:noFill/>
+          <a:ln cap="flat">
+            <a:noFill/>
+          </a:ln>
+        </p:spPr>
+        <p:txBody>
+          <a:bodyPr vert="horz" wrap="square" lIns="0" tIns="0" rIns="0" bIns="0" anchor="b" anchorCtr="0" compatLnSpc="1">
+            <a:noAutofit/>
+          </a:bodyPr>
+          <a:lstStyle/>
+          <a:p>
+            <a:pPr marL="0" marR="0" lvl="0" indent="0" algn="r" defTabSz="914400" rtl="0" fontAlgn="auto" hangingPunct="0">
+              <a:lnSpc>
+                <a:spcPct val="100000"/>
+              </a:lnSpc>
+              <a:spcBef>
+                <a:spcPts val="0"/>
+              </a:spcBef>
+              <a:spcAft>
+                <a:spcPts val="0"/>
+              </a:spcAft>
+              <a:buNone/>
+              <a:tabLst/>
+              <a:defRPr sz="1800" b="0" i="0" u="none" strike="noStrike" kern="0" cap="none" spc="0" baseline="0">
+                <a:solidFill>
+                  <a:srgbClr val="000000"/>
+                </a:solidFill>
+                <a:uFillTx/>
+              </a:defRPr>
+            </a:pPr>
+            <a:fld id="{73FCD25E-08CA-4A46-BC6C-D67AC2EBC0C4}" type="slidenum">
+              <a:t>5</a:t>
+            </a:fld>
+            <a:endParaRPr lang="en-US" sz="1400" b="0" i="0" u="none" strike="noStrike" kern="1200" cap="none" spc="0" baseline="0">
+              <a:solidFill>
+                <a:srgbClr val="000000"/>
+              </a:solidFill>
+              <a:uFillTx/>
+              <a:latin typeface="Liberation Serif" pitchFamily="18"/>
+              <a:ea typeface="DejaVu Sans" pitchFamily="2"/>
+              <a:cs typeface="DejaVu Sans" pitchFamily="2"/>
+            </a:endParaRPr>
+          </a:p>
+        </p:txBody>
+      </p:sp>
+      <p:sp>
+        <p:nvSpPr>
+          <p:cNvPr id="3" name="Slide Image Placeholder 1"/>
+          <p:cNvSpPr>
+            <a:spLocks noGrp="1" noRot="1" noChangeAspect="1"/>
+          </p:cNvSpPr>
+          <p:nvPr>
+            <p:ph type="sldImg"/>
+          </p:nvPr>
+        </p:nvSpPr>
+        <p:spPr>
+          <a:xfrm>
+            <a:off x="1371600" y="763588"/>
+            <a:ext cx="5029200" cy="3771900"/>
+          </a:xfrm>
+          <a:solidFill>
+            <a:srgbClr val="729FCF"/>
+          </a:solidFill>
+          <a:ln w="25402">
+            <a:solidFill>
+              <a:srgbClr val="3465A4"/>
+            </a:solidFill>
+            <a:prstDash val="solid"/>
+          </a:ln>
+        </p:spPr>
+      </p:sp>
+      <p:sp>
+        <p:nvSpPr>
+          <p:cNvPr id="4" name="Notes Placeholder 2"/>
+          <p:cNvSpPr txBox="1">
+            <a:spLocks noGrp="1"/>
+          </p:cNvSpPr>
+          <p:nvPr>
+            <p:ph type="body" sz="quarter" idx="1"/>
+          </p:nvPr>
+        </p:nvSpPr>
+        <p:spPr/>
+        <p:txBody>
+          <a:bodyPr/>
+          <a:lstStyle/>
+          <a:p>
+            <a:endParaRPr lang="nl-NL"/>
+          </a:p>
+        </p:txBody>
+      </p:sp>
+    </p:spTree>
+    <p:extLst>
+      <p:ext uri="{BB962C8B-B14F-4D97-AF65-F5344CB8AC3E}">
+        <p14:creationId xmlns:p14="http://schemas.microsoft.com/office/powerpoint/2010/main" val="3346892058"/>
+      </p:ext>
+    </p:extLst>
+  </p:cSld>
+  <p:clrMapOvr>
+    <a:masterClrMapping/>
+  </p:clrMapOvr>
+</p:notes>
+</file>
+
+<file path=ppt/notesSlides/notesSlide6.xml><?xml version="1.0" encoding="utf-8"?>
+<p:notes xmlns:a="http://schemas.openxmlformats.org/drawingml/2006/main" xmlns:r="http://schemas.openxmlformats.org/officeDocument/2006/relationships" xmlns:p="http://schemas.openxmlformats.org/presentationml/2006/main">
+  <p:cSld>
+    <p:spTree>
+      <p:nvGrpSpPr>
+        <p:cNvPr id="1" name=""/>
+        <p:cNvGrpSpPr/>
+        <p:nvPr/>
+      </p:nvGrpSpPr>
+      <p:grpSpPr>
+        <a:xfrm>
+          <a:off x="0" y="0"/>
+          <a:ext cx="0" cy="0"/>
+          <a:chOff x="0" y="0"/>
+          <a:chExt cx="0" cy="0"/>
+        </a:xfrm>
+      </p:grpSpPr>
+      <p:sp>
+        <p:nvSpPr>
+          <p:cNvPr id="2" name="Slide Number Placeholder 6"/>
+          <p:cNvSpPr txBox="1"/>
+          <p:nvPr/>
+        </p:nvSpPr>
+        <p:spPr>
+          <a:xfrm>
+            <a:off x="4399196" y="9555480"/>
+            <a:ext cx="3372837" cy="502563"/>
+          </a:xfrm>
+          <a:prstGeom prst="rect">
+            <a:avLst/>
+          </a:prstGeom>
+          <a:noFill/>
+          <a:ln cap="flat">
+            <a:noFill/>
+          </a:ln>
+        </p:spPr>
+        <p:txBody>
+          <a:bodyPr vert="horz" wrap="square" lIns="0" tIns="0" rIns="0" bIns="0" anchor="b" anchorCtr="0" compatLnSpc="1">
+            <a:noAutofit/>
+          </a:bodyPr>
+          <a:lstStyle/>
+          <a:p>
+            <a:pPr marL="0" marR="0" lvl="0" indent="0" algn="r" defTabSz="914400" rtl="0" fontAlgn="auto" hangingPunct="0">
+              <a:lnSpc>
+                <a:spcPct val="100000"/>
+              </a:lnSpc>
+              <a:spcBef>
+                <a:spcPts val="0"/>
+              </a:spcBef>
+              <a:spcAft>
+                <a:spcPts val="0"/>
+              </a:spcAft>
+              <a:buNone/>
+              <a:tabLst/>
+              <a:defRPr sz="1800" b="0" i="0" u="none" strike="noStrike" kern="0" cap="none" spc="0" baseline="0">
+                <a:solidFill>
+                  <a:srgbClr val="000000"/>
+                </a:solidFill>
+                <a:uFillTx/>
+              </a:defRPr>
+            </a:pPr>
             <a:fld id="{4AD1CDFB-02AD-4842-B0DD-8CFD4D1BACF8}" type="slidenum">
-              <a:t>3</a:t>
+              <a:t>6</a:t>
             </a:fld>
             <a:endParaRPr lang="en-US" sz="1400" b="0" i="0" u="none" strike="noStrike" kern="1200" cap="none" spc="0" baseline="0">
               <a:solidFill>
@@ -4886,7 +5291,7 @@
   </p:txStyles>
   <p:extLst>
     <p:ext uri="{27BBF7A9-308A-43DC-89C8-2F10F3537804}">
-      <p15:sldGuideLst xmlns:p15="http://schemas.microsoft.com/office/powerpoint/2012/main"/>
+      <p15:sldGuideLst xmlns:p15="http://schemas.microsoft.com/office/powerpoint/2012/main" xmlns=""/>
     </p:ext>
   </p:extLst>
 </p:sldMaster>
@@ -4938,11 +5343,7 @@
             </a:r>
             <a:r>
               <a:rPr lang="en-US" dirty="0" smtClean="0"/>
-              <a:t> </a:t>
-            </a:r>
-            <a:r>
-              <a:rPr lang="en-US" dirty="0" smtClean="0"/>
-              <a:t>Vector</a:t>
+              <a:t> Vector</a:t>
             </a:r>
             <a:endParaRPr lang="nl-NL" dirty="0"/>
           </a:p>
@@ -4976,7 +5377,7 @@
           <p:cNvPr id="4" name="Picture 3">
             <a:extLst>
               <a:ext uri="{FF2B5EF4-FFF2-40B4-BE49-F238E27FC236}">
-                <a16:creationId xmlns:a16="http://schemas.microsoft.com/office/drawing/2014/main" id="{00000000-0000-0000-0000-000000000000}"/>
+                <a16:creationId xmlns:a16="http://schemas.microsoft.com/office/drawing/2014/main" xmlns="" id="{00000000-0000-0000-0000-000000000000}"/>
               </a:ext>
             </a:extLst>
           </p:cNvPr>
@@ -5095,7 +5496,7 @@
           <p:cNvPr id="5" name="Picture 4">
             <a:extLst>
               <a:ext uri="{FF2B5EF4-FFF2-40B4-BE49-F238E27FC236}">
-                <a16:creationId xmlns:a16="http://schemas.microsoft.com/office/drawing/2014/main" id="{00000000-0000-0000-0000-000000000000}"/>
+                <a16:creationId xmlns:a16="http://schemas.microsoft.com/office/drawing/2014/main" xmlns="" id="{00000000-0000-0000-0000-000000000000}"/>
               </a:ext>
             </a:extLst>
           </p:cNvPr>
@@ -5186,10 +5587,1379 @@
           </a:p>
         </p:txBody>
       </p:sp>
+      <p:sp>
+        <p:nvSpPr>
+          <p:cNvPr id="2" name="TextBox 1"/>
+          <p:cNvSpPr txBox="1"/>
+          <p:nvPr/>
+        </p:nvSpPr>
+        <p:spPr>
+          <a:xfrm>
+            <a:off x="635267" y="1482291"/>
+            <a:ext cx="8364354" cy="2585323"/>
+          </a:xfrm>
+          <a:prstGeom prst="rect">
+            <a:avLst/>
+          </a:prstGeom>
+          <a:noFill/>
+        </p:spPr>
+        <p:txBody>
+          <a:bodyPr wrap="square" rtlCol="0">
+            <a:spAutoFit/>
+          </a:bodyPr>
+          <a:lstStyle/>
+          <a:p>
+            <a:r>
+              <a:rPr lang="pt-PT" dirty="0" smtClean="0"/>
+              <a:t>With PostGIS you can have the best of two worlds:</a:t>
+            </a:r>
+          </a:p>
+          <a:p>
+            <a:endParaRPr lang="pt-PT" dirty="0" smtClean="0"/>
+          </a:p>
+          <a:p>
+            <a:r>
+              <a:rPr lang="pt-PT" dirty="0" smtClean="0"/>
+              <a:t>	&gt; The A</a:t>
+            </a:r>
+            <a:r>
+              <a:rPr lang="pt-PT" sz="800" dirty="0" smtClean="0"/>
+              <a:t>tomicity</a:t>
+            </a:r>
+            <a:r>
+              <a:rPr lang="pt-PT" dirty="0" smtClean="0"/>
+              <a:t> C</a:t>
+            </a:r>
+            <a:r>
+              <a:rPr lang="pt-PT" sz="800" dirty="0" smtClean="0"/>
+              <a:t>onsistency</a:t>
+            </a:r>
+            <a:r>
+              <a:rPr lang="pt-PT" dirty="0" smtClean="0"/>
+              <a:t> I</a:t>
+            </a:r>
+            <a:r>
+              <a:rPr lang="pt-PT" sz="800" dirty="0" smtClean="0"/>
+              <a:t>solation</a:t>
+            </a:r>
+            <a:r>
+              <a:rPr lang="pt-PT" dirty="0" smtClean="0"/>
+              <a:t> D</a:t>
+            </a:r>
+            <a:r>
+              <a:rPr lang="pt-PT" sz="800" dirty="0" smtClean="0"/>
+              <a:t>urability</a:t>
+            </a:r>
+            <a:r>
+              <a:rPr lang="pt-PT" dirty="0" smtClean="0"/>
+              <a:t>  properties of a database;</a:t>
+            </a:r>
+          </a:p>
+          <a:p>
+            <a:r>
+              <a:rPr lang="pt-PT" dirty="0" smtClean="0"/>
+              <a:t>	&gt; The spatial analytical capabilities of a GIS;</a:t>
+            </a:r>
+          </a:p>
+          <a:p>
+            <a:endParaRPr lang="pt-PT" dirty="0"/>
+          </a:p>
+          <a:p>
+            <a:r>
+              <a:rPr lang="pt-PT" dirty="0" smtClean="0"/>
+              <a:t>     But, what does that mean?</a:t>
+            </a:r>
+          </a:p>
+          <a:p>
+            <a:endParaRPr lang="pt-PT" dirty="0"/>
+          </a:p>
+          <a:p>
+            <a:endParaRPr lang="pt-PT" dirty="0" smtClean="0"/>
+          </a:p>
+          <a:p>
+            <a:endParaRPr lang="pt-PT" dirty="0"/>
+          </a:p>
+        </p:txBody>
+      </p:sp>
+      <p:sp>
+        <p:nvSpPr>
+          <p:cNvPr id="6" name="TextBox 5"/>
+          <p:cNvSpPr txBox="1"/>
+          <p:nvPr/>
+        </p:nvSpPr>
+        <p:spPr>
+          <a:xfrm>
+            <a:off x="787667" y="4291264"/>
+            <a:ext cx="8364354" cy="1477328"/>
+          </a:xfrm>
+          <a:prstGeom prst="rect">
+            <a:avLst/>
+          </a:prstGeom>
+          <a:noFill/>
+        </p:spPr>
+        <p:txBody>
+          <a:bodyPr wrap="square" rtlCol="0">
+            <a:spAutoFit/>
+          </a:bodyPr>
+          <a:lstStyle/>
+          <a:p>
+            <a:r>
+              <a:rPr lang="pt-PT" sz="3600" b="1" dirty="0">
+                <a:solidFill>
+                  <a:srgbClr val="FF0000"/>
+                </a:solidFill>
+              </a:rPr>
+              <a:t>If it is spatial data PostGIS will handle it!</a:t>
+            </a:r>
+          </a:p>
+          <a:p>
+            <a:endParaRPr lang="pt-PT" dirty="0"/>
+          </a:p>
+          <a:p>
+            <a:endParaRPr lang="pt-PT" dirty="0" smtClean="0"/>
+          </a:p>
+          <a:p>
+            <a:endParaRPr lang="pt-PT" dirty="0"/>
+          </a:p>
+        </p:txBody>
+      </p:sp>
     </p:spTree>
     <p:extLst>
       <p:ext uri="{BB962C8B-B14F-4D97-AF65-F5344CB8AC3E}">
         <p14:creationId xmlns:p14="http://schemas.microsoft.com/office/powerpoint/2010/main" val="3645985796"/>
+      </p:ext>
+    </p:extLst>
+  </p:cSld>
+  <p:clrMapOvr>
+    <a:masterClrMapping/>
+  </p:clrMapOvr>
+  <mc:AlternateContent xmlns:mc="http://schemas.openxmlformats.org/markup-compatibility/2006" xmlns:p14="http://schemas.microsoft.com/office/powerpoint/2010/main">
+    <mc:Choice Requires="p14">
+      <p:transition spd="slow" p14:dur="2000"/>
+    </mc:Choice>
+    <mc:Fallback xmlns="">
+      <p:transition spd="slow"/>
+    </mc:Fallback>
+  </mc:AlternateContent>
+  <p:timing>
+    <p:tnLst>
+      <p:par>
+        <p:cTn id="1" dur="indefinite" restart="never" nodeType="tmRoot">
+          <p:childTnLst>
+            <p:seq concurrent="1" nextAc="seek">
+              <p:cTn id="2" dur="indefinite" nodeType="mainSeq">
+                <p:childTnLst>
+                  <p:par>
+                    <p:cTn id="3" fill="hold">
+                      <p:stCondLst>
+                        <p:cond delay="indefinite"/>
+                      </p:stCondLst>
+                      <p:childTnLst>
+                        <p:par>
+                          <p:cTn id="4" fill="hold">
+                            <p:stCondLst>
+                              <p:cond delay="0"/>
+                            </p:stCondLst>
+                            <p:childTnLst>
+                              <p:par>
+                                <p:cTn id="5" presetID="1" presetClass="entr" presetSubtype="0" fill="hold" grpId="0" nodeType="clickEffect">
+                                  <p:stCondLst>
+                                    <p:cond delay="0"/>
+                                  </p:stCondLst>
+                                  <p:childTnLst>
+                                    <p:set>
+                                      <p:cBhvr>
+                                        <p:cTn id="6" dur="1" fill="hold">
+                                          <p:stCondLst>
+                                            <p:cond delay="0"/>
+                                          </p:stCondLst>
+                                        </p:cTn>
+                                        <p:tgtEl>
+                                          <p:spTgt spid="6"/>
+                                        </p:tgtEl>
+                                        <p:attrNameLst>
+                                          <p:attrName>style.visibility</p:attrName>
+                                        </p:attrNameLst>
+                                      </p:cBhvr>
+                                      <p:to>
+                                        <p:strVal val="visible"/>
+                                      </p:to>
+                                    </p:set>
+                                  </p:childTnLst>
+                                </p:cTn>
+                              </p:par>
+                            </p:childTnLst>
+                          </p:cTn>
+                        </p:par>
+                      </p:childTnLst>
+                    </p:cTn>
+                  </p:par>
+                </p:childTnLst>
+              </p:cTn>
+              <p:prevCondLst>
+                <p:cond evt="onPrev" delay="0">
+                  <p:tgtEl>
+                    <p:sldTgt/>
+                  </p:tgtEl>
+                </p:cond>
+              </p:prevCondLst>
+              <p:nextCondLst>
+                <p:cond evt="onNext" delay="0">
+                  <p:tgtEl>
+                    <p:sldTgt/>
+                  </p:tgtEl>
+                </p:cond>
+              </p:nextCondLst>
+            </p:seq>
+          </p:childTnLst>
+        </p:cTn>
+      </p:par>
+    </p:tnLst>
+    <p:bldLst>
+      <p:bldP spid="6" grpId="0"/>
+    </p:bldLst>
+  </p:timing>
+</p:sld>
+</file>
+
+<file path=ppt/slides/slide3.xml><?xml version="1.0" encoding="utf-8"?>
+<p:sld xmlns:a="http://schemas.openxmlformats.org/drawingml/2006/main" xmlns:r="http://schemas.openxmlformats.org/officeDocument/2006/relationships" xmlns:p="http://schemas.openxmlformats.org/presentationml/2006/main">
+  <p:cSld>
+    <p:spTree>
+      <p:nvGrpSpPr>
+        <p:cNvPr id="1" name=""/>
+        <p:cNvGrpSpPr/>
+        <p:nvPr/>
+      </p:nvGrpSpPr>
+      <p:grpSpPr>
+        <a:xfrm>
+          <a:off x="0" y="0"/>
+          <a:ext cx="0" cy="0"/>
+          <a:chOff x="0" y="0"/>
+          <a:chExt cx="0" cy="0"/>
+        </a:xfrm>
+      </p:grpSpPr>
+      <p:pic>
+        <p:nvPicPr>
+          <p:cNvPr id="5" name="Picture 4">
+            <a:extLst>
+              <a:ext uri="{FF2B5EF4-FFF2-40B4-BE49-F238E27FC236}">
+                <a16:creationId xmlns:a16="http://schemas.microsoft.com/office/drawing/2014/main" xmlns="" id="{00000000-0000-0000-0000-000000000000}"/>
+              </a:ext>
+            </a:extLst>
+          </p:cNvPr>
+          <p:cNvPicPr>
+            <a:picLocks noChangeAspect="1"/>
+          </p:cNvPicPr>
+          <p:nvPr/>
+        </p:nvPicPr>
+        <p:blipFill>
+          <a:blip r:embed="rId3">
+            <a:lum/>
+            <a:alphaModFix/>
+          </a:blip>
+          <a:srcRect/>
+          <a:stretch>
+            <a:fillRect/>
+          </a:stretch>
+        </p:blipFill>
+        <p:spPr>
+          <a:xfrm>
+            <a:off x="8262257" y="280909"/>
+            <a:ext cx="1230086" cy="1406041"/>
+          </a:xfrm>
+          <a:prstGeom prst="rect">
+            <a:avLst/>
+          </a:prstGeom>
+          <a:noFill/>
+          <a:ln cap="flat">
+            <a:noFill/>
+          </a:ln>
+        </p:spPr>
+      </p:pic>
+      <p:sp>
+        <p:nvSpPr>
+          <p:cNvPr id="8" name="Title 1"/>
+          <p:cNvSpPr txBox="1">
+            <a:spLocks/>
+          </p:cNvSpPr>
+          <p:nvPr/>
+        </p:nvSpPr>
+        <p:spPr>
+          <a:xfrm>
+            <a:off x="282831" y="60771"/>
+            <a:ext cx="7064828" cy="945017"/>
+          </a:xfrm>
+          <a:prstGeom prst="rect">
+            <a:avLst/>
+          </a:prstGeom>
+        </p:spPr>
+        <p:txBody>
+          <a:bodyPr vert="horz" lIns="91440" tIns="45720" rIns="91440" bIns="45720" rtlCol="0" anchor="b">
+            <a:normAutofit/>
+          </a:bodyPr>
+          <a:lstStyle>
+            <a:lvl1pPr algn="l" defTabSz="1007943" rtl="0" eaLnBrk="1" latinLnBrk="0" hangingPunct="1">
+              <a:lnSpc>
+                <a:spcPct val="85000"/>
+              </a:lnSpc>
+              <a:spcBef>
+                <a:spcPct val="0"/>
+              </a:spcBef>
+              <a:buNone/>
+              <a:defRPr sz="5291" kern="1200" spc="-55" baseline="0">
+                <a:solidFill>
+                  <a:schemeClr val="tx1">
+                    <a:lumMod val="75000"/>
+                    <a:lumOff val="25000"/>
+                  </a:schemeClr>
+                </a:solidFill>
+                <a:latin typeface="+mj-lt"/>
+                <a:ea typeface="+mj-ea"/>
+                <a:cs typeface="+mj-cs"/>
+              </a:defRPr>
+            </a:lvl1pPr>
+          </a:lstStyle>
+          <a:p>
+            <a:r>
+              <a:rPr lang="en-US" sz="4800" dirty="0" smtClean="0">
+                <a:latin typeface="Arial" pitchFamily="34"/>
+                <a:cs typeface="Arial" pitchFamily="34"/>
+              </a:rPr>
+              <a:t>Before we start…</a:t>
+            </a:r>
+            <a:endParaRPr lang="en-US" sz="4800" dirty="0">
+              <a:latin typeface="Arial" pitchFamily="34"/>
+              <a:cs typeface="Arial" pitchFamily="34"/>
+            </a:endParaRPr>
+          </a:p>
+        </p:txBody>
+      </p:sp>
+      <p:sp>
+        <p:nvSpPr>
+          <p:cNvPr id="2" name="TextBox 1"/>
+          <p:cNvSpPr txBox="1"/>
+          <p:nvPr/>
+        </p:nvSpPr>
+        <p:spPr>
+          <a:xfrm>
+            <a:off x="635267" y="1482291"/>
+            <a:ext cx="8364354" cy="369332"/>
+          </a:xfrm>
+          <a:prstGeom prst="rect">
+            <a:avLst/>
+          </a:prstGeom>
+          <a:noFill/>
+        </p:spPr>
+        <p:txBody>
+          <a:bodyPr wrap="square" rtlCol="0">
+            <a:spAutoFit/>
+          </a:bodyPr>
+          <a:lstStyle/>
+          <a:p>
+            <a:r>
+              <a:rPr lang="pt-PT" dirty="0" smtClean="0"/>
+              <a:t>PostGIS is an </a:t>
+            </a:r>
+            <a:r>
+              <a:rPr lang="pt-PT" b="1" dirty="0" smtClean="0">
+                <a:solidFill>
+                  <a:srgbClr val="FF0000"/>
+                </a:solidFill>
+              </a:rPr>
+              <a:t>extension</a:t>
+            </a:r>
+            <a:r>
+              <a:rPr lang="pt-PT" dirty="0" smtClean="0">
+                <a:solidFill>
+                  <a:srgbClr val="FF0000"/>
+                </a:solidFill>
+              </a:rPr>
+              <a:t> </a:t>
+            </a:r>
+            <a:r>
+              <a:rPr lang="pt-PT" dirty="0" smtClean="0"/>
+              <a:t>to PostgreSQL</a:t>
+            </a:r>
+            <a:endParaRPr lang="pt-PT" sz="3200" b="1" dirty="0">
+              <a:solidFill>
+                <a:srgbClr val="FF0000"/>
+              </a:solidFill>
+            </a:endParaRPr>
+          </a:p>
+        </p:txBody>
+      </p:sp>
+      <p:pic>
+        <p:nvPicPr>
+          <p:cNvPr id="6" name="Picture 5"/>
+          <p:cNvPicPr>
+            <a:picLocks noChangeAspect="1"/>
+          </p:cNvPicPr>
+          <p:nvPr/>
+        </p:nvPicPr>
+        <p:blipFill>
+          <a:blip r:embed="rId4">
+            <a:extLst>
+              <a:ext uri="{28A0092B-C50C-407E-A947-70E740481C1C}">
+                <a14:useLocalDpi xmlns:a14="http://schemas.microsoft.com/office/drawing/2010/main" val="0"/>
+              </a:ext>
+            </a:extLst>
+          </a:blip>
+          <a:stretch>
+            <a:fillRect/>
+          </a:stretch>
+        </p:blipFill>
+        <p:spPr>
+          <a:xfrm>
+            <a:off x="2160641" y="2415897"/>
+            <a:ext cx="5187018" cy="4056167"/>
+          </a:xfrm>
+          <a:prstGeom prst="rect">
+            <a:avLst/>
+          </a:prstGeom>
+        </p:spPr>
+      </p:pic>
+      <p:pic>
+        <p:nvPicPr>
+          <p:cNvPr id="7" name="Picture 6"/>
+          <p:cNvPicPr>
+            <a:picLocks noChangeAspect="1" noChangeArrowheads="1"/>
+          </p:cNvPicPr>
+          <p:nvPr/>
+        </p:nvPicPr>
+        <p:blipFill>
+          <a:blip r:embed="rId5">
+            <a:extLst>
+              <a:ext uri="{28A0092B-C50C-407E-A947-70E740481C1C}">
+                <a14:useLocalDpi xmlns:a14="http://schemas.microsoft.com/office/drawing/2010/main" val="0"/>
+              </a:ext>
+            </a:extLst>
+          </a:blip>
+          <a:srcRect/>
+          <a:stretch>
+            <a:fillRect/>
+          </a:stretch>
+        </p:blipFill>
+        <p:spPr bwMode="auto">
+          <a:xfrm>
+            <a:off x="7255819" y="4578734"/>
+            <a:ext cx="628650" cy="628650"/>
+          </a:xfrm>
+          <a:prstGeom prst="rect">
+            <a:avLst/>
+          </a:prstGeom>
+          <a:noFill/>
+          <a:ln w="9525">
+            <a:noFill/>
+            <a:miter lim="800000"/>
+            <a:headEnd/>
+            <a:tailEnd/>
+          </a:ln>
+          <a:effectLst>
+            <a:glow rad="508000">
+              <a:schemeClr val="accent1">
+                <a:satMod val="175000"/>
+                <a:alpha val="26000"/>
+              </a:schemeClr>
+            </a:glow>
+            <a:outerShdw dist="35921" dir="2700000" algn="ctr" rotWithShape="0">
+              <a:schemeClr val="bg2"/>
+            </a:outerShdw>
+            <a:softEdge rad="0"/>
+          </a:effectLst>
+          <a:extLst>
+            <a:ext uri="{909E8E84-426E-40DD-AFC4-6F175D3DCCD1}">
+              <a14:hiddenFill xmlns:a14="http://schemas.microsoft.com/office/drawing/2010/main">
+                <a:solidFill>
+                  <a:schemeClr val="accent1"/>
+                </a:solidFill>
+              </a14:hiddenFill>
+            </a:ext>
+          </a:extLst>
+        </p:spPr>
+      </p:pic>
+    </p:spTree>
+    <p:extLst>
+      <p:ext uri="{BB962C8B-B14F-4D97-AF65-F5344CB8AC3E}">
+        <p14:creationId xmlns:p14="http://schemas.microsoft.com/office/powerpoint/2010/main" val="3929940989"/>
+      </p:ext>
+    </p:extLst>
+  </p:cSld>
+  <p:clrMapOvr>
+    <a:masterClrMapping/>
+  </p:clrMapOvr>
+  <mc:AlternateContent xmlns:mc="http://schemas.openxmlformats.org/markup-compatibility/2006" xmlns:p14="http://schemas.microsoft.com/office/powerpoint/2010/main">
+    <mc:Choice Requires="p14">
+      <p:transition spd="slow" p14:dur="2000"/>
+    </mc:Choice>
+    <mc:Fallback xmlns="">
+      <p:transition spd="slow"/>
+    </mc:Fallback>
+  </mc:AlternateContent>
+  <p:timing>
+    <p:tnLst>
+      <p:par>
+        <p:cTn id="1" dur="indefinite" restart="never" nodeType="tmRoot">
+          <p:childTnLst>
+            <p:seq concurrent="1" nextAc="seek">
+              <p:cTn id="2" dur="indefinite" nodeType="mainSeq">
+                <p:childTnLst>
+                  <p:par>
+                    <p:cTn id="3" fill="hold">
+                      <p:stCondLst>
+                        <p:cond delay="indefinite"/>
+                      </p:stCondLst>
+                      <p:childTnLst>
+                        <p:par>
+                          <p:cTn id="4" fill="hold">
+                            <p:stCondLst>
+                              <p:cond delay="0"/>
+                            </p:stCondLst>
+                            <p:childTnLst>
+                              <p:par>
+                                <p:cTn id="5" presetID="1" presetClass="entr" presetSubtype="0" fill="hold" nodeType="clickEffect">
+                                  <p:stCondLst>
+                                    <p:cond delay="0"/>
+                                  </p:stCondLst>
+                                  <p:childTnLst>
+                                    <p:set>
+                                      <p:cBhvr>
+                                        <p:cTn id="6" dur="1" fill="hold">
+                                          <p:stCondLst>
+                                            <p:cond delay="0"/>
+                                          </p:stCondLst>
+                                        </p:cTn>
+                                        <p:tgtEl>
+                                          <p:spTgt spid="7"/>
+                                        </p:tgtEl>
+                                        <p:attrNameLst>
+                                          <p:attrName>style.visibility</p:attrName>
+                                        </p:attrNameLst>
+                                      </p:cBhvr>
+                                      <p:to>
+                                        <p:strVal val="visible"/>
+                                      </p:to>
+                                    </p:set>
+                                  </p:childTnLst>
+                                </p:cTn>
+                              </p:par>
+                            </p:childTnLst>
+                          </p:cTn>
+                        </p:par>
+                      </p:childTnLst>
+                    </p:cTn>
+                  </p:par>
+                </p:childTnLst>
+              </p:cTn>
+              <p:prevCondLst>
+                <p:cond evt="onPrev" delay="0">
+                  <p:tgtEl>
+                    <p:sldTgt/>
+                  </p:tgtEl>
+                </p:cond>
+              </p:prevCondLst>
+              <p:nextCondLst>
+                <p:cond evt="onNext" delay="0">
+                  <p:tgtEl>
+                    <p:sldTgt/>
+                  </p:tgtEl>
+                </p:cond>
+              </p:nextCondLst>
+            </p:seq>
+          </p:childTnLst>
+        </p:cTn>
+      </p:par>
+    </p:tnLst>
+  </p:timing>
+</p:sld>
+</file>
+
+<file path=ppt/slides/slide4.xml><?xml version="1.0" encoding="utf-8"?>
+<p:sld xmlns:a="http://schemas.openxmlformats.org/drawingml/2006/main" xmlns:r="http://schemas.openxmlformats.org/officeDocument/2006/relationships" xmlns:p="http://schemas.openxmlformats.org/presentationml/2006/main">
+  <p:cSld>
+    <p:spTree>
+      <p:nvGrpSpPr>
+        <p:cNvPr id="1" name=""/>
+        <p:cNvGrpSpPr/>
+        <p:nvPr/>
+      </p:nvGrpSpPr>
+      <p:grpSpPr>
+        <a:xfrm>
+          <a:off x="0" y="0"/>
+          <a:ext cx="0" cy="0"/>
+          <a:chOff x="0" y="0"/>
+          <a:chExt cx="0" cy="0"/>
+        </a:xfrm>
+      </p:grpSpPr>
+      <p:pic>
+        <p:nvPicPr>
+          <p:cNvPr id="5" name="Picture 4">
+            <a:extLst>
+              <a:ext uri="{FF2B5EF4-FFF2-40B4-BE49-F238E27FC236}">
+                <a16:creationId xmlns:a16="http://schemas.microsoft.com/office/drawing/2014/main" xmlns="" id="{00000000-0000-0000-0000-000000000000}"/>
+              </a:ext>
+            </a:extLst>
+          </p:cNvPr>
+          <p:cNvPicPr>
+            <a:picLocks noChangeAspect="1"/>
+          </p:cNvPicPr>
+          <p:nvPr/>
+        </p:nvPicPr>
+        <p:blipFill>
+          <a:blip r:embed="rId3">
+            <a:lum/>
+            <a:alphaModFix/>
+          </a:blip>
+          <a:srcRect/>
+          <a:stretch>
+            <a:fillRect/>
+          </a:stretch>
+        </p:blipFill>
+        <p:spPr>
+          <a:xfrm>
+            <a:off x="8262257" y="280909"/>
+            <a:ext cx="1230086" cy="1406041"/>
+          </a:xfrm>
+          <a:prstGeom prst="rect">
+            <a:avLst/>
+          </a:prstGeom>
+          <a:noFill/>
+          <a:ln cap="flat">
+            <a:noFill/>
+          </a:ln>
+        </p:spPr>
+      </p:pic>
+      <p:sp>
+        <p:nvSpPr>
+          <p:cNvPr id="8" name="Title 1"/>
+          <p:cNvSpPr txBox="1">
+            <a:spLocks/>
+          </p:cNvSpPr>
+          <p:nvPr/>
+        </p:nvSpPr>
+        <p:spPr>
+          <a:xfrm>
+            <a:off x="282831" y="60771"/>
+            <a:ext cx="7064828" cy="945017"/>
+          </a:xfrm>
+          <a:prstGeom prst="rect">
+            <a:avLst/>
+          </a:prstGeom>
+        </p:spPr>
+        <p:txBody>
+          <a:bodyPr vert="horz" lIns="91440" tIns="45720" rIns="91440" bIns="45720" rtlCol="0" anchor="b">
+            <a:normAutofit/>
+          </a:bodyPr>
+          <a:lstStyle>
+            <a:lvl1pPr algn="l" defTabSz="1007943" rtl="0" eaLnBrk="1" latinLnBrk="0" hangingPunct="1">
+              <a:lnSpc>
+                <a:spcPct val="85000"/>
+              </a:lnSpc>
+              <a:spcBef>
+                <a:spcPct val="0"/>
+              </a:spcBef>
+              <a:buNone/>
+              <a:defRPr sz="5291" kern="1200" spc="-55" baseline="0">
+                <a:solidFill>
+                  <a:schemeClr val="tx1">
+                    <a:lumMod val="75000"/>
+                    <a:lumOff val="25000"/>
+                  </a:schemeClr>
+                </a:solidFill>
+                <a:latin typeface="+mj-lt"/>
+                <a:ea typeface="+mj-ea"/>
+                <a:cs typeface="+mj-cs"/>
+              </a:defRPr>
+            </a:lvl1pPr>
+          </a:lstStyle>
+          <a:p>
+            <a:r>
+              <a:rPr lang="en-US" sz="4800" dirty="0" smtClean="0">
+                <a:latin typeface="Arial" pitchFamily="34"/>
+                <a:cs typeface="Arial" pitchFamily="34"/>
+              </a:rPr>
+              <a:t>Before we start…</a:t>
+            </a:r>
+            <a:endParaRPr lang="en-US" sz="4800" dirty="0">
+              <a:latin typeface="Arial" pitchFamily="34"/>
+              <a:cs typeface="Arial" pitchFamily="34"/>
+            </a:endParaRPr>
+          </a:p>
+        </p:txBody>
+      </p:sp>
+      <p:sp>
+        <p:nvSpPr>
+          <p:cNvPr id="2" name="TextBox 1"/>
+          <p:cNvSpPr txBox="1"/>
+          <p:nvPr/>
+        </p:nvSpPr>
+        <p:spPr>
+          <a:xfrm>
+            <a:off x="635267" y="1482291"/>
+            <a:ext cx="8364354" cy="369332"/>
+          </a:xfrm>
+          <a:prstGeom prst="rect">
+            <a:avLst/>
+          </a:prstGeom>
+          <a:noFill/>
+        </p:spPr>
+        <p:txBody>
+          <a:bodyPr wrap="square" rtlCol="0">
+            <a:spAutoFit/>
+          </a:bodyPr>
+          <a:lstStyle/>
+          <a:p>
+            <a:r>
+              <a:rPr lang="pt-PT" dirty="0" smtClean="0"/>
+              <a:t>PostGIS is based on OGC’s </a:t>
+            </a:r>
+            <a:r>
+              <a:rPr lang="pt-PT" b="1" dirty="0" smtClean="0">
+                <a:solidFill>
+                  <a:srgbClr val="FF0000"/>
+                </a:solidFill>
+              </a:rPr>
+              <a:t>Simple Feature Access </a:t>
+            </a:r>
+            <a:r>
+              <a:rPr lang="pt-PT" dirty="0" smtClean="0"/>
+              <a:t>standard</a:t>
+            </a:r>
+            <a:endParaRPr lang="pt-PT" sz="3200" b="1" dirty="0">
+              <a:solidFill>
+                <a:srgbClr val="FF0000"/>
+              </a:solidFill>
+            </a:endParaRPr>
+          </a:p>
+        </p:txBody>
+      </p:sp>
+      <p:sp>
+        <p:nvSpPr>
+          <p:cNvPr id="18" name="TextBox 17"/>
+          <p:cNvSpPr txBox="1"/>
+          <p:nvPr/>
+        </p:nvSpPr>
+        <p:spPr>
+          <a:xfrm>
+            <a:off x="5595589" y="6362299"/>
+            <a:ext cx="677173" cy="276999"/>
+          </a:xfrm>
+          <a:prstGeom prst="rect">
+            <a:avLst/>
+          </a:prstGeom>
+          <a:noFill/>
+        </p:spPr>
+        <p:txBody>
+          <a:bodyPr wrap="none" rtlCol="0">
+            <a:spAutoFit/>
+          </a:bodyPr>
+          <a:lstStyle/>
+          <a:p>
+            <a:r>
+              <a:rPr lang="pt-PT" sz="1200" dirty="0" smtClean="0"/>
+              <a:t>Exterior</a:t>
+            </a:r>
+            <a:endParaRPr lang="pt-PT" sz="1200" dirty="0"/>
+          </a:p>
+        </p:txBody>
+      </p:sp>
+      <p:sp>
+        <p:nvSpPr>
+          <p:cNvPr id="19" name="TextBox 18"/>
+          <p:cNvSpPr txBox="1"/>
+          <p:nvPr/>
+        </p:nvSpPr>
+        <p:spPr>
+          <a:xfrm>
+            <a:off x="7302589" y="6027785"/>
+            <a:ext cx="783356" cy="276999"/>
+          </a:xfrm>
+          <a:prstGeom prst="rect">
+            <a:avLst/>
+          </a:prstGeom>
+          <a:noFill/>
+        </p:spPr>
+        <p:txBody>
+          <a:bodyPr wrap="none" rtlCol="0">
+            <a:spAutoFit/>
+          </a:bodyPr>
+          <a:lstStyle/>
+          <a:p>
+            <a:r>
+              <a:rPr lang="pt-PT" sz="1200" dirty="0" smtClean="0"/>
+              <a:t>boundary</a:t>
+            </a:r>
+            <a:endParaRPr lang="pt-PT" sz="1200" dirty="0"/>
+          </a:p>
+        </p:txBody>
+      </p:sp>
+      <p:sp>
+        <p:nvSpPr>
+          <p:cNvPr id="25" name="TextBox 24"/>
+          <p:cNvSpPr txBox="1"/>
+          <p:nvPr/>
+        </p:nvSpPr>
+        <p:spPr>
+          <a:xfrm>
+            <a:off x="802104" y="2379874"/>
+            <a:ext cx="4572001" cy="6370975"/>
+          </a:xfrm>
+          <a:prstGeom prst="rect">
+            <a:avLst/>
+          </a:prstGeom>
+          <a:noFill/>
+        </p:spPr>
+        <p:txBody>
+          <a:bodyPr wrap="square" rtlCol="0">
+            <a:spAutoFit/>
+          </a:bodyPr>
+          <a:lstStyle/>
+          <a:p>
+            <a:pPr marL="285750" indent="-285750" algn="just">
+              <a:buFont typeface="Wingdings" panose="05000000000000000000" pitchFamily="2" charset="2"/>
+              <a:buChar char="§"/>
+            </a:pPr>
+            <a:r>
+              <a:rPr lang="nl-NL" sz="1600" b="1" dirty="0" smtClean="0">
+                <a:latin typeface="+mj-lt"/>
+              </a:rPr>
+              <a:t>Point </a:t>
+            </a:r>
+          </a:p>
+          <a:p>
+            <a:pPr algn="just"/>
+            <a:endParaRPr lang="nl-NL" sz="1600" dirty="0" smtClean="0">
+              <a:latin typeface="+mj-lt"/>
+            </a:endParaRPr>
+          </a:p>
+          <a:p>
+            <a:pPr algn="just"/>
+            <a:r>
+              <a:rPr lang="nl-NL" sz="1400" dirty="0" smtClean="0">
+                <a:latin typeface="+mn-lt"/>
+              </a:rPr>
+              <a:t>  	POINT </a:t>
+            </a:r>
+            <a:r>
+              <a:rPr lang="en-US" sz="1400" dirty="0" smtClean="0">
+                <a:latin typeface="+mn-lt"/>
+              </a:rPr>
+              <a:t>(30 </a:t>
+            </a:r>
+            <a:r>
+              <a:rPr lang="en-US" sz="1400" dirty="0">
+                <a:latin typeface="+mn-lt"/>
+              </a:rPr>
+              <a:t>10)</a:t>
+            </a:r>
+            <a:endParaRPr lang="nl-NL" sz="1400" dirty="0">
+              <a:latin typeface="+mn-lt"/>
+            </a:endParaRPr>
+          </a:p>
+          <a:p>
+            <a:pPr algn="just"/>
+            <a:endParaRPr lang="nl-NL" sz="1600" dirty="0" smtClean="0">
+              <a:latin typeface="+mj-lt"/>
+            </a:endParaRPr>
+          </a:p>
+          <a:p>
+            <a:pPr algn="just"/>
+            <a:endParaRPr lang="nl-NL" sz="1600" dirty="0" smtClean="0">
+              <a:latin typeface="+mj-lt"/>
+            </a:endParaRPr>
+          </a:p>
+          <a:p>
+            <a:pPr algn="just"/>
+            <a:endParaRPr lang="nl-NL" sz="1600" dirty="0" smtClean="0">
+              <a:latin typeface="+mj-lt"/>
+            </a:endParaRPr>
+          </a:p>
+          <a:p>
+            <a:pPr marL="285750" indent="-285750" algn="just">
+              <a:buFont typeface="Wingdings" panose="05000000000000000000" pitchFamily="2" charset="2"/>
+              <a:buChar char="§"/>
+            </a:pPr>
+            <a:r>
+              <a:rPr lang="nl-NL" sz="1600" b="1" dirty="0" smtClean="0">
+                <a:latin typeface="+mj-lt"/>
+              </a:rPr>
+              <a:t>Linestring</a:t>
+            </a:r>
+          </a:p>
+          <a:p>
+            <a:pPr algn="just"/>
+            <a:endParaRPr lang="nl-NL" sz="1400" dirty="0" smtClean="0">
+              <a:latin typeface="+mn-lt"/>
+            </a:endParaRPr>
+          </a:p>
+          <a:p>
+            <a:pPr algn="just"/>
+            <a:r>
+              <a:rPr lang="nl-NL" sz="1400" dirty="0" smtClean="0">
+                <a:latin typeface="+mn-lt"/>
+              </a:rPr>
+              <a:t>	LINESTRING </a:t>
+            </a:r>
+            <a:r>
+              <a:rPr lang="en-US" sz="1400" dirty="0" smtClean="0">
+                <a:latin typeface="+mn-lt"/>
+              </a:rPr>
+              <a:t>(30 </a:t>
+            </a:r>
+            <a:r>
+              <a:rPr lang="en-US" sz="1400" dirty="0">
+                <a:latin typeface="+mn-lt"/>
+              </a:rPr>
+              <a:t>10, 10 30, 40 40)</a:t>
+            </a:r>
+            <a:endParaRPr lang="nl-NL" sz="1400" dirty="0">
+              <a:latin typeface="+mn-lt"/>
+            </a:endParaRPr>
+          </a:p>
+          <a:p>
+            <a:pPr algn="just"/>
+            <a:endParaRPr lang="nl-NL" sz="1600" dirty="0" smtClean="0">
+              <a:latin typeface="+mj-lt"/>
+            </a:endParaRPr>
+          </a:p>
+          <a:p>
+            <a:pPr algn="just"/>
+            <a:endParaRPr lang="nl-NL" sz="1600" dirty="0" smtClean="0">
+              <a:latin typeface="+mj-lt"/>
+            </a:endParaRPr>
+          </a:p>
+          <a:p>
+            <a:pPr algn="just"/>
+            <a:endParaRPr lang="nl-NL" sz="1600" dirty="0" smtClean="0">
+              <a:latin typeface="+mj-lt"/>
+            </a:endParaRPr>
+          </a:p>
+          <a:p>
+            <a:pPr marL="285750" indent="-285750" algn="just">
+              <a:buFont typeface="Wingdings" panose="05000000000000000000" pitchFamily="2" charset="2"/>
+              <a:buChar char="§"/>
+            </a:pPr>
+            <a:r>
+              <a:rPr lang="nl-NL" sz="1600" b="1" dirty="0" err="1" smtClean="0">
+                <a:latin typeface="+mj-lt"/>
+              </a:rPr>
+              <a:t>Polygon</a:t>
+            </a:r>
+            <a:endParaRPr lang="nl-NL" sz="1600" b="1" dirty="0" smtClean="0">
+              <a:latin typeface="+mj-lt"/>
+            </a:endParaRPr>
+          </a:p>
+          <a:p>
+            <a:pPr marL="285750" indent="-285750" algn="just">
+              <a:buFont typeface="Wingdings" panose="05000000000000000000" pitchFamily="2" charset="2"/>
+              <a:buChar char="§"/>
+            </a:pPr>
+            <a:endParaRPr lang="nl-NL" sz="1600" dirty="0" smtClean="0">
+              <a:latin typeface="+mj-lt"/>
+            </a:endParaRPr>
+          </a:p>
+          <a:p>
+            <a:pPr algn="just"/>
+            <a:r>
+              <a:rPr lang="nl-NL" sz="1400" dirty="0" smtClean="0">
+                <a:latin typeface="+mn-lt"/>
+              </a:rPr>
+              <a:t>	POLYGON </a:t>
+            </a:r>
+            <a:r>
+              <a:rPr lang="en-US" sz="1400" dirty="0" smtClean="0">
+                <a:latin typeface="+mn-lt"/>
+              </a:rPr>
+              <a:t>((</a:t>
+            </a:r>
+            <a:r>
+              <a:rPr lang="en-US" sz="1400" dirty="0">
+                <a:latin typeface="+mn-lt"/>
+              </a:rPr>
+              <a:t>30 10, 40 40, 20 40, 10 20, 30 10))</a:t>
+            </a:r>
+            <a:endParaRPr lang="nl-NL" sz="1400" dirty="0">
+              <a:latin typeface="+mn-lt"/>
+            </a:endParaRPr>
+          </a:p>
+          <a:p>
+            <a:pPr marL="285750" indent="-285750" algn="just">
+              <a:buFont typeface="Wingdings" panose="05000000000000000000" pitchFamily="2" charset="2"/>
+              <a:buChar char="§"/>
+            </a:pPr>
+            <a:endParaRPr lang="nl-NL" sz="1600" dirty="0" smtClean="0">
+              <a:latin typeface="+mj-lt"/>
+            </a:endParaRPr>
+          </a:p>
+          <a:p>
+            <a:pPr marL="285750" indent="-285750" algn="just">
+              <a:buFont typeface="Wingdings" panose="05000000000000000000" pitchFamily="2" charset="2"/>
+              <a:buChar char="§"/>
+            </a:pPr>
+            <a:endParaRPr lang="nl-NL" sz="1600" dirty="0">
+              <a:latin typeface="+mj-lt"/>
+            </a:endParaRPr>
+          </a:p>
+          <a:p>
+            <a:pPr algn="just"/>
+            <a:endParaRPr lang="nl-NL" sz="1600" dirty="0">
+              <a:latin typeface="+mj-lt"/>
+            </a:endParaRPr>
+          </a:p>
+          <a:p>
+            <a:pPr algn="just"/>
+            <a:endParaRPr lang="nl-NL" sz="1600" dirty="0" smtClean="0">
+              <a:latin typeface="+mj-lt"/>
+            </a:endParaRPr>
+          </a:p>
+          <a:p>
+            <a:pPr algn="just"/>
+            <a:endParaRPr lang="nl-NL" sz="1600" dirty="0">
+              <a:latin typeface="+mj-lt"/>
+            </a:endParaRPr>
+          </a:p>
+          <a:p>
+            <a:pPr algn="just"/>
+            <a:endParaRPr lang="nl-NL" sz="1600" dirty="0" smtClean="0">
+              <a:latin typeface="+mj-lt"/>
+            </a:endParaRPr>
+          </a:p>
+          <a:p>
+            <a:pPr algn="just"/>
+            <a:endParaRPr lang="nl-NL" sz="1600" dirty="0" smtClean="0">
+              <a:latin typeface="+mj-lt"/>
+            </a:endParaRPr>
+          </a:p>
+          <a:p>
+            <a:pPr algn="just"/>
+            <a:endParaRPr lang="nl-NL" sz="1600" b="1" dirty="0" smtClean="0"/>
+          </a:p>
+          <a:p>
+            <a:pPr algn="just"/>
+            <a:endParaRPr lang="nl-NL" sz="1600" b="1" dirty="0" smtClean="0"/>
+          </a:p>
+          <a:p>
+            <a:pPr algn="ctr"/>
+            <a:endParaRPr lang="nl-NL" sz="1600" b="1" dirty="0">
+              <a:solidFill>
+                <a:srgbClr val="FF0000"/>
+              </a:solidFill>
+            </a:endParaRPr>
+          </a:p>
+          <a:p>
+            <a:pPr algn="ctr"/>
+            <a:endParaRPr lang="nl-NL" sz="1600" b="1" dirty="0" smtClean="0">
+              <a:solidFill>
+                <a:srgbClr val="FF0000"/>
+              </a:solidFill>
+            </a:endParaRPr>
+          </a:p>
+        </p:txBody>
+      </p:sp>
+      <p:pic>
+        <p:nvPicPr>
+          <p:cNvPr id="27" name="Picture 2"/>
+          <p:cNvPicPr>
+            <a:picLocks noChangeAspect="1" noChangeArrowheads="1"/>
+          </p:cNvPicPr>
+          <p:nvPr/>
+        </p:nvPicPr>
+        <p:blipFill>
+          <a:blip r:embed="rId4">
+            <a:extLst>
+              <a:ext uri="{28A0092B-C50C-407E-A947-70E740481C1C}">
+                <a14:useLocalDpi xmlns:a14="http://schemas.microsoft.com/office/drawing/2010/main" val="0"/>
+              </a:ext>
+            </a:extLst>
+          </a:blip>
+          <a:srcRect/>
+          <a:stretch>
+            <a:fillRect/>
+          </a:stretch>
+        </p:blipFill>
+        <p:spPr bwMode="auto">
+          <a:xfrm>
+            <a:off x="5338106" y="2523840"/>
+            <a:ext cx="804714" cy="804714"/>
+          </a:xfrm>
+          <a:prstGeom prst="rect">
+            <a:avLst/>
+          </a:prstGeom>
+          <a:noFill/>
+          <a:ln>
+            <a:noFill/>
+          </a:ln>
+          <a:extLst>
+            <a:ext uri="{909E8E84-426E-40DD-AFC4-6F175D3DCCD1}">
+              <a14:hiddenFill xmlns:a14="http://schemas.microsoft.com/office/drawing/2010/main">
+                <a:solidFill>
+                  <a:schemeClr val="accent1"/>
+                </a:solidFill>
+              </a14:hiddenFill>
+            </a:ext>
+            <a:ext uri="{91240B29-F687-4F45-9708-019B960494DF}">
+              <a14:hiddenLine xmlns:a14="http://schemas.microsoft.com/office/drawing/2010/main" w="9525">
+                <a:solidFill>
+                  <a:schemeClr val="tx1"/>
+                </a:solidFill>
+                <a:miter lim="800000"/>
+                <a:headEnd/>
+                <a:tailEnd/>
+              </a14:hiddenLine>
+            </a:ext>
+          </a:extLst>
+        </p:spPr>
+      </p:pic>
+      <p:pic>
+        <p:nvPicPr>
+          <p:cNvPr id="28" name="Picture 3"/>
+          <p:cNvPicPr>
+            <a:picLocks noChangeAspect="1" noChangeArrowheads="1"/>
+          </p:cNvPicPr>
+          <p:nvPr/>
+        </p:nvPicPr>
+        <p:blipFill>
+          <a:blip r:embed="rId5">
+            <a:extLst>
+              <a:ext uri="{28A0092B-C50C-407E-A947-70E740481C1C}">
+                <a14:useLocalDpi xmlns:a14="http://schemas.microsoft.com/office/drawing/2010/main" val="0"/>
+              </a:ext>
+            </a:extLst>
+          </a:blip>
+          <a:srcRect/>
+          <a:stretch>
+            <a:fillRect/>
+          </a:stretch>
+        </p:blipFill>
+        <p:spPr bwMode="auto">
+          <a:xfrm>
+            <a:off x="5403580" y="3781023"/>
+            <a:ext cx="804714" cy="804714"/>
+          </a:xfrm>
+          <a:prstGeom prst="rect">
+            <a:avLst/>
+          </a:prstGeom>
+          <a:noFill/>
+          <a:ln>
+            <a:noFill/>
+          </a:ln>
+          <a:extLst>
+            <a:ext uri="{909E8E84-426E-40DD-AFC4-6F175D3DCCD1}">
+              <a14:hiddenFill xmlns:a14="http://schemas.microsoft.com/office/drawing/2010/main">
+                <a:solidFill>
+                  <a:schemeClr val="accent1"/>
+                </a:solidFill>
+              </a14:hiddenFill>
+            </a:ext>
+            <a:ext uri="{91240B29-F687-4F45-9708-019B960494DF}">
+              <a14:hiddenLine xmlns:a14="http://schemas.microsoft.com/office/drawing/2010/main" w="9525">
+                <a:solidFill>
+                  <a:schemeClr val="tx1"/>
+                </a:solidFill>
+                <a:miter lim="800000"/>
+                <a:headEnd/>
+                <a:tailEnd/>
+              </a14:hiddenLine>
+            </a:ext>
+          </a:extLst>
+        </p:spPr>
+      </p:pic>
+      <p:pic>
+        <p:nvPicPr>
+          <p:cNvPr id="29" name="Picture 4"/>
+          <p:cNvPicPr>
+            <a:picLocks noChangeAspect="1" noChangeArrowheads="1"/>
+          </p:cNvPicPr>
+          <p:nvPr/>
+        </p:nvPicPr>
+        <p:blipFill>
+          <a:blip r:embed="rId6">
+            <a:extLst>
+              <a:ext uri="{28A0092B-C50C-407E-A947-70E740481C1C}">
+                <a14:useLocalDpi xmlns:a14="http://schemas.microsoft.com/office/drawing/2010/main" val="0"/>
+              </a:ext>
+            </a:extLst>
+          </a:blip>
+          <a:srcRect/>
+          <a:stretch>
+            <a:fillRect/>
+          </a:stretch>
+        </p:blipFill>
+        <p:spPr bwMode="auto">
+          <a:xfrm>
+            <a:off x="5374105" y="5209171"/>
+            <a:ext cx="804714" cy="804714"/>
+          </a:xfrm>
+          <a:prstGeom prst="rect">
+            <a:avLst/>
+          </a:prstGeom>
+          <a:noFill/>
+          <a:ln>
+            <a:noFill/>
+          </a:ln>
+          <a:extLst>
+            <a:ext uri="{909E8E84-426E-40DD-AFC4-6F175D3DCCD1}">
+              <a14:hiddenFill xmlns:a14="http://schemas.microsoft.com/office/drawing/2010/main">
+                <a:solidFill>
+                  <a:schemeClr val="accent1"/>
+                </a:solidFill>
+              </a14:hiddenFill>
+            </a:ext>
+            <a:ext uri="{91240B29-F687-4F45-9708-019B960494DF}">
+              <a14:hiddenLine xmlns:a14="http://schemas.microsoft.com/office/drawing/2010/main" w="9525">
+                <a:solidFill>
+                  <a:schemeClr val="tx1"/>
+                </a:solidFill>
+                <a:miter lim="800000"/>
+                <a:headEnd/>
+                <a:tailEnd/>
+              </a14:hiddenLine>
+            </a:ext>
+          </a:extLst>
+        </p:spPr>
+      </p:pic>
+      <p:cxnSp>
+        <p:nvCxnSpPr>
+          <p:cNvPr id="36" name="Straight Arrow Connector 35"/>
+          <p:cNvCxnSpPr/>
+          <p:nvPr/>
+        </p:nvCxnSpPr>
+        <p:spPr>
+          <a:xfrm>
+            <a:off x="5740463" y="5565361"/>
+            <a:ext cx="1224299" cy="0"/>
+          </a:xfrm>
+          <a:prstGeom prst="straightConnector1">
+            <a:avLst/>
+          </a:prstGeom>
+          <a:ln>
+            <a:solidFill>
+              <a:schemeClr val="tx1"/>
+            </a:solidFill>
+            <a:tailEnd type="arrow"/>
+          </a:ln>
+        </p:spPr>
+        <p:style>
+          <a:lnRef idx="1">
+            <a:schemeClr val="accent1"/>
+          </a:lnRef>
+          <a:fillRef idx="0">
+            <a:schemeClr val="accent1"/>
+          </a:fillRef>
+          <a:effectRef idx="0">
+            <a:schemeClr val="accent1"/>
+          </a:effectRef>
+          <a:fontRef idx="minor">
+            <a:schemeClr val="tx1"/>
+          </a:fontRef>
+        </p:style>
+      </p:cxnSp>
+      <p:cxnSp>
+        <p:nvCxnSpPr>
+          <p:cNvPr id="38" name="Straight Arrow Connector 37"/>
+          <p:cNvCxnSpPr/>
+          <p:nvPr/>
+        </p:nvCxnSpPr>
+        <p:spPr>
+          <a:xfrm>
+            <a:off x="5665898" y="5896132"/>
+            <a:ext cx="223458" cy="466167"/>
+          </a:xfrm>
+          <a:prstGeom prst="straightConnector1">
+            <a:avLst/>
+          </a:prstGeom>
+          <a:ln>
+            <a:solidFill>
+              <a:schemeClr val="tx1"/>
+            </a:solidFill>
+            <a:tailEnd type="arrow"/>
+          </a:ln>
+        </p:spPr>
+        <p:style>
+          <a:lnRef idx="1">
+            <a:schemeClr val="accent1"/>
+          </a:lnRef>
+          <a:fillRef idx="0">
+            <a:schemeClr val="accent1"/>
+          </a:fillRef>
+          <a:effectRef idx="0">
+            <a:schemeClr val="accent1"/>
+          </a:effectRef>
+          <a:fontRef idx="minor">
+            <a:schemeClr val="tx1"/>
+          </a:fontRef>
+        </p:style>
+      </p:cxnSp>
+      <p:cxnSp>
+        <p:nvCxnSpPr>
+          <p:cNvPr id="40" name="Straight Arrow Connector 39"/>
+          <p:cNvCxnSpPr/>
+          <p:nvPr/>
+        </p:nvCxnSpPr>
+        <p:spPr>
+          <a:xfrm>
+            <a:off x="6041756" y="5846634"/>
+            <a:ext cx="1224299" cy="319651"/>
+          </a:xfrm>
+          <a:prstGeom prst="straightConnector1">
+            <a:avLst/>
+          </a:prstGeom>
+          <a:ln>
+            <a:solidFill>
+              <a:schemeClr val="tx1"/>
+            </a:solidFill>
+            <a:tailEnd type="arrow"/>
+          </a:ln>
+        </p:spPr>
+        <p:style>
+          <a:lnRef idx="1">
+            <a:schemeClr val="accent1"/>
+          </a:lnRef>
+          <a:fillRef idx="0">
+            <a:schemeClr val="accent1"/>
+          </a:fillRef>
+          <a:effectRef idx="0">
+            <a:schemeClr val="accent1"/>
+          </a:effectRef>
+          <a:fontRef idx="minor">
+            <a:schemeClr val="tx1"/>
+          </a:fontRef>
+        </p:style>
+      </p:cxnSp>
+      <p:sp>
+        <p:nvSpPr>
+          <p:cNvPr id="47" name="TextBox 46"/>
+          <p:cNvSpPr txBox="1"/>
+          <p:nvPr/>
+        </p:nvSpPr>
+        <p:spPr>
+          <a:xfrm>
+            <a:off x="6976954" y="5426861"/>
+            <a:ext cx="651269" cy="276999"/>
+          </a:xfrm>
+          <a:prstGeom prst="rect">
+            <a:avLst/>
+          </a:prstGeom>
+          <a:noFill/>
+        </p:spPr>
+        <p:txBody>
+          <a:bodyPr wrap="none" rtlCol="0">
+            <a:spAutoFit/>
+          </a:bodyPr>
+          <a:lstStyle/>
+          <a:p>
+            <a:r>
+              <a:rPr lang="pt-PT" sz="1200" dirty="0" smtClean="0"/>
+              <a:t>Interior</a:t>
+            </a:r>
+            <a:endParaRPr lang="pt-PT" sz="1200" dirty="0"/>
+          </a:p>
+        </p:txBody>
+      </p:sp>
+    </p:spTree>
+    <p:extLst>
+      <p:ext uri="{BB962C8B-B14F-4D97-AF65-F5344CB8AC3E}">
+        <p14:creationId xmlns:p14="http://schemas.microsoft.com/office/powerpoint/2010/main" val="3473260676"/>
       </p:ext>
     </p:extLst>
   </p:cSld>
@@ -5214,7 +6984,1067 @@
 </p:sld>
 </file>
 
-<file path=ppt/slides/slide3.xml><?xml version="1.0" encoding="utf-8"?>
+<file path=ppt/slides/slide5.xml><?xml version="1.0" encoding="utf-8"?>
+<p:sld xmlns:a="http://schemas.openxmlformats.org/drawingml/2006/main" xmlns:r="http://schemas.openxmlformats.org/officeDocument/2006/relationships" xmlns:p="http://schemas.openxmlformats.org/presentationml/2006/main">
+  <p:cSld>
+    <p:spTree>
+      <p:nvGrpSpPr>
+        <p:cNvPr id="1" name=""/>
+        <p:cNvGrpSpPr/>
+        <p:nvPr/>
+      </p:nvGrpSpPr>
+      <p:grpSpPr>
+        <a:xfrm>
+          <a:off x="0" y="0"/>
+          <a:ext cx="0" cy="0"/>
+          <a:chOff x="0" y="0"/>
+          <a:chExt cx="0" cy="0"/>
+        </a:xfrm>
+      </p:grpSpPr>
+      <p:pic>
+        <p:nvPicPr>
+          <p:cNvPr id="5" name="Picture 4">
+            <a:extLst>
+              <a:ext uri="{FF2B5EF4-FFF2-40B4-BE49-F238E27FC236}">
+                <a16:creationId xmlns:a16="http://schemas.microsoft.com/office/drawing/2014/main" xmlns="" id="{00000000-0000-0000-0000-000000000000}"/>
+              </a:ext>
+            </a:extLst>
+          </p:cNvPr>
+          <p:cNvPicPr>
+            <a:picLocks noChangeAspect="1"/>
+          </p:cNvPicPr>
+          <p:nvPr/>
+        </p:nvPicPr>
+        <p:blipFill>
+          <a:blip r:embed="rId3">
+            <a:lum/>
+            <a:alphaModFix/>
+          </a:blip>
+          <a:srcRect/>
+          <a:stretch>
+            <a:fillRect/>
+          </a:stretch>
+        </p:blipFill>
+        <p:spPr>
+          <a:xfrm>
+            <a:off x="8262257" y="280909"/>
+            <a:ext cx="1230086" cy="1406041"/>
+          </a:xfrm>
+          <a:prstGeom prst="rect">
+            <a:avLst/>
+          </a:prstGeom>
+          <a:noFill/>
+          <a:ln cap="flat">
+            <a:noFill/>
+          </a:ln>
+        </p:spPr>
+      </p:pic>
+      <p:sp>
+        <p:nvSpPr>
+          <p:cNvPr id="8" name="Title 1"/>
+          <p:cNvSpPr txBox="1">
+            <a:spLocks/>
+          </p:cNvSpPr>
+          <p:nvPr/>
+        </p:nvSpPr>
+        <p:spPr>
+          <a:xfrm>
+            <a:off x="282831" y="60771"/>
+            <a:ext cx="7064828" cy="945017"/>
+          </a:xfrm>
+          <a:prstGeom prst="rect">
+            <a:avLst/>
+          </a:prstGeom>
+        </p:spPr>
+        <p:txBody>
+          <a:bodyPr vert="horz" lIns="91440" tIns="45720" rIns="91440" bIns="45720" rtlCol="0" anchor="b">
+            <a:normAutofit/>
+          </a:bodyPr>
+          <a:lstStyle>
+            <a:lvl1pPr algn="l" defTabSz="1007943" rtl="0" eaLnBrk="1" latinLnBrk="0" hangingPunct="1">
+              <a:lnSpc>
+                <a:spcPct val="85000"/>
+              </a:lnSpc>
+              <a:spcBef>
+                <a:spcPct val="0"/>
+              </a:spcBef>
+              <a:buNone/>
+              <a:defRPr sz="5291" kern="1200" spc="-55" baseline="0">
+                <a:solidFill>
+                  <a:schemeClr val="tx1">
+                    <a:lumMod val="75000"/>
+                    <a:lumOff val="25000"/>
+                  </a:schemeClr>
+                </a:solidFill>
+                <a:latin typeface="+mj-lt"/>
+                <a:ea typeface="+mj-ea"/>
+                <a:cs typeface="+mj-cs"/>
+              </a:defRPr>
+            </a:lvl1pPr>
+          </a:lstStyle>
+          <a:p>
+            <a:r>
+              <a:rPr lang="en-US" sz="4800" dirty="0" smtClean="0">
+                <a:latin typeface="Arial" pitchFamily="34"/>
+                <a:cs typeface="Arial" pitchFamily="34"/>
+              </a:rPr>
+              <a:t>Before we start…</a:t>
+            </a:r>
+            <a:endParaRPr lang="en-US" sz="4800" dirty="0">
+              <a:latin typeface="Arial" pitchFamily="34"/>
+              <a:cs typeface="Arial" pitchFamily="34"/>
+            </a:endParaRPr>
+          </a:p>
+        </p:txBody>
+      </p:sp>
+      <p:sp>
+        <p:nvSpPr>
+          <p:cNvPr id="2" name="TextBox 1"/>
+          <p:cNvSpPr txBox="1"/>
+          <p:nvPr/>
+        </p:nvSpPr>
+        <p:spPr>
+          <a:xfrm>
+            <a:off x="635267" y="1482291"/>
+            <a:ext cx="8364354" cy="369332"/>
+          </a:xfrm>
+          <a:prstGeom prst="rect">
+            <a:avLst/>
+          </a:prstGeom>
+          <a:noFill/>
+        </p:spPr>
+        <p:txBody>
+          <a:bodyPr wrap="square" rtlCol="0">
+            <a:spAutoFit/>
+          </a:bodyPr>
+          <a:lstStyle/>
+          <a:p>
+            <a:r>
+              <a:rPr lang="pt-PT" dirty="0" smtClean="0"/>
+              <a:t>It is essential </a:t>
+            </a:r>
+            <a:r>
+              <a:rPr lang="pt-PT" smtClean="0"/>
+              <a:t>to learn </a:t>
+            </a:r>
+            <a:r>
+              <a:rPr lang="pt-PT" dirty="0" smtClean="0"/>
+              <a:t>a bit of </a:t>
+            </a:r>
+            <a:r>
+              <a:rPr lang="pt-PT" b="1" dirty="0" smtClean="0">
+                <a:solidFill>
+                  <a:srgbClr val="FF0000"/>
+                </a:solidFill>
+              </a:rPr>
+              <a:t>SQL</a:t>
+            </a:r>
+            <a:endParaRPr lang="pt-PT" sz="3200" b="1" dirty="0">
+              <a:solidFill>
+                <a:srgbClr val="FF0000"/>
+              </a:solidFill>
+            </a:endParaRPr>
+          </a:p>
+        </p:txBody>
+      </p:sp>
+      <p:sp>
+        <p:nvSpPr>
+          <p:cNvPr id="15" name="TextBox 14"/>
+          <p:cNvSpPr txBox="1"/>
+          <p:nvPr/>
+        </p:nvSpPr>
+        <p:spPr>
+          <a:xfrm>
+            <a:off x="1562099" y="2217393"/>
+            <a:ext cx="7315201" cy="5755422"/>
+          </a:xfrm>
+          <a:prstGeom prst="rect">
+            <a:avLst/>
+          </a:prstGeom>
+          <a:noFill/>
+        </p:spPr>
+        <p:txBody>
+          <a:bodyPr wrap="square" rtlCol="0">
+            <a:spAutoFit/>
+          </a:bodyPr>
+          <a:lstStyle/>
+          <a:p>
+            <a:pPr marL="533400" lvl="2" indent="-266700" algn="just"/>
+            <a:r>
+              <a:rPr lang="nl-NL" sz="1600" b="1" dirty="0" smtClean="0">
+                <a:latin typeface="+mn-lt"/>
+              </a:rPr>
+              <a:t>ST_Buffer</a:t>
+            </a:r>
+            <a:endParaRPr lang="nl-NL" sz="1600" b="1" dirty="0" smtClean="0">
+              <a:latin typeface="+mn-lt"/>
+            </a:endParaRPr>
+          </a:p>
+          <a:p>
+            <a:pPr marL="533400" lvl="2" indent="-266700" algn="just"/>
+            <a:endParaRPr lang="nl-NL" sz="1600" b="1" dirty="0" smtClean="0">
+              <a:latin typeface="+mn-lt"/>
+            </a:endParaRPr>
+          </a:p>
+          <a:p>
+            <a:pPr marL="533400" lvl="2" algn="just"/>
+            <a:r>
+              <a:rPr lang="nl-NL" sz="1600" b="1" dirty="0" smtClean="0">
+                <a:solidFill>
+                  <a:srgbClr val="0000FF"/>
+                </a:solidFill>
+                <a:latin typeface="+mn-lt"/>
+              </a:rPr>
+              <a:t>SELECT</a:t>
+            </a:r>
+            <a:r>
+              <a:rPr lang="nl-NL" sz="1600" dirty="0" smtClean="0">
+                <a:solidFill>
+                  <a:srgbClr val="0000FF"/>
+                </a:solidFill>
+                <a:latin typeface="+mn-lt"/>
+              </a:rPr>
+              <a:t> </a:t>
+            </a:r>
+            <a:r>
+              <a:rPr lang="nl-NL" sz="1600" dirty="0" err="1" smtClean="0">
+                <a:latin typeface="+mn-lt"/>
+              </a:rPr>
+              <a:t>id</a:t>
+            </a:r>
+            <a:r>
+              <a:rPr lang="nl-NL" sz="1600" dirty="0" smtClean="0">
+                <a:latin typeface="+mn-lt"/>
+              </a:rPr>
+              <a:t>, </a:t>
+            </a:r>
+            <a:r>
+              <a:rPr lang="nl-NL" sz="1600" dirty="0" err="1" smtClean="0">
+                <a:latin typeface="+mn-lt"/>
+              </a:rPr>
+              <a:t>st_buffer</a:t>
+            </a:r>
+            <a:r>
+              <a:rPr lang="nl-NL" sz="1600" dirty="0" smtClean="0">
+                <a:latin typeface="+mn-lt"/>
+              </a:rPr>
+              <a:t>(</a:t>
+            </a:r>
+            <a:r>
+              <a:rPr lang="nl-NL" sz="1600" dirty="0" err="1" smtClean="0">
+                <a:latin typeface="+mn-lt"/>
+              </a:rPr>
+              <a:t>geom</a:t>
+            </a:r>
+            <a:r>
+              <a:rPr lang="nl-NL" sz="1600" dirty="0" smtClean="0">
+                <a:latin typeface="+mn-lt"/>
+              </a:rPr>
+              <a:t>, 100)</a:t>
+            </a:r>
+          </a:p>
+          <a:p>
+            <a:pPr marL="533400" lvl="2" algn="just"/>
+            <a:r>
+              <a:rPr lang="nl-NL" sz="1600" b="1" dirty="0" smtClean="0">
+                <a:solidFill>
+                  <a:srgbClr val="0000FF"/>
+                </a:solidFill>
+                <a:latin typeface="+mn-lt"/>
+              </a:rPr>
+              <a:t>FROM</a:t>
+            </a:r>
+            <a:r>
+              <a:rPr lang="nl-NL" sz="1600" dirty="0" smtClean="0">
+                <a:solidFill>
+                  <a:srgbClr val="0000FF"/>
+                </a:solidFill>
+                <a:latin typeface="+mn-lt"/>
+              </a:rPr>
+              <a:t> </a:t>
+            </a:r>
+            <a:r>
+              <a:rPr lang="nl-NL" sz="1600" dirty="0" err="1" smtClean="0">
+                <a:latin typeface="+mn-lt"/>
+              </a:rPr>
+              <a:t>rivers</a:t>
+            </a:r>
+            <a:endParaRPr lang="nl-NL" sz="1600" dirty="0">
+              <a:latin typeface="+mn-lt"/>
+            </a:endParaRPr>
+          </a:p>
+          <a:p>
+            <a:pPr marL="533400" lvl="2" algn="just"/>
+            <a:r>
+              <a:rPr lang="nl-NL" sz="1600" b="1" dirty="0" smtClean="0">
+                <a:solidFill>
+                  <a:srgbClr val="0000FF"/>
+                </a:solidFill>
+                <a:latin typeface="+mn-lt"/>
+              </a:rPr>
+              <a:t>WHERE</a:t>
+            </a:r>
+            <a:r>
+              <a:rPr lang="nl-NL" sz="1600" dirty="0" smtClean="0">
+                <a:solidFill>
+                  <a:srgbClr val="0000FF"/>
+                </a:solidFill>
+                <a:latin typeface="+mn-lt"/>
+              </a:rPr>
+              <a:t> </a:t>
+            </a:r>
+            <a:r>
+              <a:rPr lang="nl-NL" sz="1600" dirty="0" err="1" smtClean="0">
+                <a:latin typeface="+mn-lt"/>
+              </a:rPr>
+              <a:t>rivername</a:t>
+            </a:r>
+            <a:r>
+              <a:rPr lang="nl-NL" sz="1600" dirty="0" smtClean="0">
+                <a:latin typeface="+mn-lt"/>
+              </a:rPr>
+              <a:t> = </a:t>
+            </a:r>
+            <a:r>
+              <a:rPr lang="nl-NL" sz="1600" dirty="0" smtClean="0">
+                <a:solidFill>
+                  <a:schemeClr val="accent6">
+                    <a:lumMod val="75000"/>
+                  </a:schemeClr>
+                </a:solidFill>
+                <a:latin typeface="+mn-lt"/>
+              </a:rPr>
+              <a:t>‘</a:t>
+            </a:r>
+            <a:r>
+              <a:rPr lang="nl-NL" sz="1600" dirty="0" err="1" smtClean="0">
+                <a:solidFill>
+                  <a:schemeClr val="accent6">
+                    <a:lumMod val="75000"/>
+                  </a:schemeClr>
+                </a:solidFill>
+                <a:latin typeface="+mn-lt"/>
+              </a:rPr>
+              <a:t>Tejo</a:t>
+            </a:r>
+            <a:r>
+              <a:rPr lang="nl-NL" sz="1600" dirty="0" smtClean="0">
+                <a:solidFill>
+                  <a:schemeClr val="accent6">
+                    <a:lumMod val="75000"/>
+                  </a:schemeClr>
+                </a:solidFill>
+                <a:latin typeface="+mn-lt"/>
+              </a:rPr>
+              <a:t>’</a:t>
+            </a:r>
+          </a:p>
+          <a:p>
+            <a:pPr marL="533400" lvl="2" indent="-266700" algn="just"/>
+            <a:endParaRPr lang="nl-NL" sz="1600" b="1" dirty="0" smtClean="0">
+              <a:latin typeface="+mn-lt"/>
+            </a:endParaRPr>
+          </a:p>
+          <a:p>
+            <a:pPr marL="533400" lvl="2" indent="-266700" algn="just"/>
+            <a:endParaRPr lang="nl-NL" sz="1600" b="1" dirty="0" smtClean="0">
+              <a:latin typeface="+mn-lt"/>
+            </a:endParaRPr>
+          </a:p>
+          <a:p>
+            <a:pPr marL="533400" lvl="2" indent="-266700" algn="just"/>
+            <a:r>
+              <a:rPr lang="nl-NL" sz="1600" b="1" dirty="0" err="1" smtClean="0">
+                <a:latin typeface="+mn-lt"/>
+              </a:rPr>
+              <a:t>ST_Within</a:t>
+            </a:r>
+            <a:endParaRPr lang="nl-NL" sz="1600" b="1" dirty="0" smtClean="0">
+              <a:latin typeface="+mn-lt"/>
+            </a:endParaRPr>
+          </a:p>
+          <a:p>
+            <a:pPr marL="533400" lvl="2" indent="-266700" algn="just"/>
+            <a:endParaRPr lang="nl-NL" sz="1600" b="1" dirty="0">
+              <a:latin typeface="+mn-lt"/>
+            </a:endParaRPr>
+          </a:p>
+          <a:p>
+            <a:pPr marL="533400" lvl="2" algn="just"/>
+            <a:r>
+              <a:rPr lang="nl-NL" sz="1600" b="1" dirty="0" smtClean="0">
+                <a:solidFill>
+                  <a:srgbClr val="0000FF"/>
+                </a:solidFill>
+                <a:latin typeface="+mn-lt"/>
+              </a:rPr>
+              <a:t>SELECT</a:t>
+            </a:r>
+            <a:r>
+              <a:rPr lang="nl-NL" sz="1600" dirty="0" smtClean="0">
+                <a:solidFill>
+                  <a:srgbClr val="0000FF"/>
+                </a:solidFill>
+                <a:latin typeface="+mn-lt"/>
+              </a:rPr>
+              <a:t> </a:t>
+            </a:r>
+            <a:r>
+              <a:rPr lang="nl-NL" sz="1600" dirty="0" smtClean="0">
+                <a:latin typeface="+mn-lt"/>
+              </a:rPr>
+              <a:t>l.id</a:t>
+            </a:r>
+            <a:r>
+              <a:rPr lang="nl-NL" sz="1600" dirty="0">
+                <a:latin typeface="+mn-lt"/>
+              </a:rPr>
+              <a:t>, </a:t>
+            </a:r>
+            <a:r>
+              <a:rPr lang="nl-NL" sz="1600" dirty="0" err="1" smtClean="0">
+                <a:latin typeface="+mn-lt"/>
+              </a:rPr>
+              <a:t>st_within</a:t>
+            </a:r>
+            <a:r>
+              <a:rPr lang="nl-NL" sz="1600" dirty="0" smtClean="0">
+                <a:latin typeface="+mn-lt"/>
+              </a:rPr>
+              <a:t>(</a:t>
+            </a:r>
+            <a:r>
+              <a:rPr lang="nl-NL" sz="1600" dirty="0" err="1" smtClean="0">
+                <a:latin typeface="+mn-lt"/>
+              </a:rPr>
+              <a:t>l.geom</a:t>
+            </a:r>
+            <a:r>
+              <a:rPr lang="nl-NL" sz="1600" dirty="0" smtClean="0">
+                <a:latin typeface="+mn-lt"/>
+              </a:rPr>
+              <a:t>, </a:t>
+            </a:r>
+            <a:r>
+              <a:rPr lang="nl-NL" sz="1600" dirty="0" err="1" smtClean="0">
+                <a:latin typeface="+mn-lt"/>
+              </a:rPr>
+              <a:t>s.geom</a:t>
+            </a:r>
+            <a:r>
+              <a:rPr lang="nl-NL" sz="1600" dirty="0" smtClean="0">
+                <a:latin typeface="+mn-lt"/>
+              </a:rPr>
+              <a:t>)</a:t>
+            </a:r>
+            <a:endParaRPr lang="nl-NL" sz="1600" dirty="0">
+              <a:latin typeface="+mn-lt"/>
+            </a:endParaRPr>
+          </a:p>
+          <a:p>
+            <a:pPr marL="533400" lvl="2" algn="just"/>
+            <a:r>
+              <a:rPr lang="nl-NL" sz="1600" b="1" dirty="0" smtClean="0">
+                <a:solidFill>
+                  <a:srgbClr val="0000FF"/>
+                </a:solidFill>
+                <a:latin typeface="+mn-lt"/>
+              </a:rPr>
+              <a:t>FROM</a:t>
+            </a:r>
+            <a:r>
+              <a:rPr lang="nl-NL" sz="1600" dirty="0" smtClean="0">
+                <a:solidFill>
+                  <a:srgbClr val="0000FF"/>
+                </a:solidFill>
+                <a:latin typeface="+mn-lt"/>
+              </a:rPr>
+              <a:t> </a:t>
+            </a:r>
+            <a:r>
+              <a:rPr lang="nl-NL" sz="1600" dirty="0" err="1" smtClean="0">
+                <a:latin typeface="+mn-lt"/>
+              </a:rPr>
+              <a:t>lamps</a:t>
+            </a:r>
+            <a:r>
+              <a:rPr lang="nl-NL" sz="1600" dirty="0" smtClean="0">
+                <a:latin typeface="+mn-lt"/>
+              </a:rPr>
+              <a:t> </a:t>
+            </a:r>
+            <a:r>
+              <a:rPr lang="nl-NL" sz="1600" b="1" dirty="0" smtClean="0">
+                <a:solidFill>
+                  <a:srgbClr val="0000FF"/>
+                </a:solidFill>
+                <a:latin typeface="+mn-lt"/>
+              </a:rPr>
+              <a:t>as</a:t>
+            </a:r>
+            <a:r>
+              <a:rPr lang="nl-NL" sz="1600" dirty="0" smtClean="0">
+                <a:latin typeface="+mn-lt"/>
+              </a:rPr>
+              <a:t> l, squares </a:t>
+            </a:r>
+            <a:r>
+              <a:rPr lang="nl-NL" sz="1600" b="1" dirty="0" smtClean="0">
+                <a:solidFill>
+                  <a:srgbClr val="0000FF"/>
+                </a:solidFill>
+                <a:latin typeface="+mn-lt"/>
+              </a:rPr>
+              <a:t>as</a:t>
+            </a:r>
+            <a:r>
+              <a:rPr lang="nl-NL" sz="1600" dirty="0" smtClean="0">
+                <a:latin typeface="+mn-lt"/>
+              </a:rPr>
+              <a:t> s</a:t>
+            </a:r>
+            <a:endParaRPr lang="nl-NL" sz="1600" dirty="0">
+              <a:latin typeface="+mn-lt"/>
+            </a:endParaRPr>
+          </a:p>
+          <a:p>
+            <a:pPr marL="533400" lvl="2" indent="-266700" algn="just"/>
+            <a:r>
+              <a:rPr lang="nl-NL" sz="1600" dirty="0"/>
+              <a:t>	</a:t>
+            </a:r>
+            <a:endParaRPr lang="nl-NL" sz="1600" dirty="0" smtClean="0"/>
+          </a:p>
+          <a:p>
+            <a:pPr marL="533400" lvl="2" indent="-266700" algn="just"/>
+            <a:endParaRPr lang="nl-NL" sz="1600" b="1" dirty="0" smtClean="0">
+              <a:latin typeface="+mn-lt"/>
+            </a:endParaRPr>
+          </a:p>
+          <a:p>
+            <a:pPr marL="533400" lvl="2" indent="-266700" algn="just"/>
+            <a:r>
+              <a:rPr lang="nl-NL" sz="1600" b="1" dirty="0" smtClean="0">
+                <a:latin typeface="+mn-lt"/>
+              </a:rPr>
+              <a:t>ST_Intersection</a:t>
+            </a:r>
+          </a:p>
+          <a:p>
+            <a:pPr marL="533400" lvl="2" indent="-266700" algn="just"/>
+            <a:endParaRPr lang="nl-NL" sz="1600" b="1" dirty="0" smtClean="0">
+              <a:latin typeface="+mn-lt"/>
+            </a:endParaRPr>
+          </a:p>
+          <a:p>
+            <a:pPr marL="533400" lvl="2" algn="just"/>
+            <a:r>
+              <a:rPr lang="nl-NL" sz="1600" b="1" dirty="0" smtClean="0">
+                <a:solidFill>
+                  <a:srgbClr val="0000FF"/>
+                </a:solidFill>
+                <a:latin typeface="+mj-lt"/>
+              </a:rPr>
+              <a:t>SELECT</a:t>
+            </a:r>
+            <a:r>
+              <a:rPr lang="nl-NL" sz="1600" dirty="0" smtClean="0">
+                <a:solidFill>
+                  <a:srgbClr val="0000FF"/>
+                </a:solidFill>
+                <a:latin typeface="+mj-lt"/>
+              </a:rPr>
+              <a:t> </a:t>
+            </a:r>
+            <a:r>
+              <a:rPr lang="nl-NL" sz="1600" dirty="0" smtClean="0">
+                <a:solidFill>
+                  <a:srgbClr val="0000FF"/>
+                </a:solidFill>
+                <a:latin typeface="+mj-lt"/>
+              </a:rPr>
+              <a:t> </a:t>
+            </a:r>
+            <a:r>
+              <a:rPr lang="nl-NL" sz="1600" dirty="0" smtClean="0">
+                <a:latin typeface="+mj-lt"/>
+              </a:rPr>
+              <a:t>b.id</a:t>
+            </a:r>
+            <a:r>
+              <a:rPr lang="nl-NL" sz="1600" dirty="0">
+                <a:latin typeface="+mj-lt"/>
+              </a:rPr>
+              <a:t>, </a:t>
+            </a:r>
+            <a:r>
+              <a:rPr lang="nl-NL" sz="1600" dirty="0" smtClean="0">
+                <a:latin typeface="+mj-lt"/>
+              </a:rPr>
+              <a:t>st_intersection(</a:t>
+            </a:r>
+            <a:r>
+              <a:rPr lang="nl-NL" sz="1600" dirty="0">
+                <a:latin typeface="+mj-lt"/>
+              </a:rPr>
+              <a:t>b</a:t>
+            </a:r>
+            <a:r>
+              <a:rPr lang="nl-NL" sz="1600" dirty="0" smtClean="0">
+                <a:latin typeface="+mj-lt"/>
+              </a:rPr>
+              <a:t>.geom</a:t>
+            </a:r>
+            <a:r>
+              <a:rPr lang="nl-NL" sz="1600" dirty="0">
+                <a:latin typeface="+mj-lt"/>
+              </a:rPr>
+              <a:t>, s.geom)</a:t>
+            </a:r>
+          </a:p>
+          <a:p>
+            <a:pPr marL="533400" lvl="2" algn="just"/>
+            <a:r>
+              <a:rPr lang="nl-NL" sz="1600" b="1" dirty="0" smtClean="0">
+                <a:solidFill>
+                  <a:srgbClr val="0000FF"/>
+                </a:solidFill>
+                <a:latin typeface="+mj-lt"/>
+              </a:rPr>
+              <a:t>FROM </a:t>
+            </a:r>
+            <a:r>
+              <a:rPr lang="nl-NL" sz="1600" dirty="0" smtClean="0">
+                <a:solidFill>
+                  <a:srgbClr val="0000FF"/>
+                </a:solidFill>
+                <a:latin typeface="+mj-lt"/>
+              </a:rPr>
+              <a:t> </a:t>
+            </a:r>
+            <a:r>
+              <a:rPr lang="nl-NL" sz="1600" dirty="0" smtClean="0">
+                <a:latin typeface="+mj-lt"/>
+              </a:rPr>
+              <a:t>buldings </a:t>
+            </a:r>
+            <a:r>
+              <a:rPr lang="nl-NL" sz="1600" b="1" dirty="0">
+                <a:solidFill>
+                  <a:srgbClr val="0000FF"/>
+                </a:solidFill>
+                <a:latin typeface="+mj-lt"/>
+              </a:rPr>
+              <a:t>as</a:t>
+            </a:r>
+            <a:r>
+              <a:rPr lang="nl-NL" sz="1600" dirty="0">
+                <a:latin typeface="+mj-lt"/>
+              </a:rPr>
+              <a:t> </a:t>
+            </a:r>
+            <a:r>
+              <a:rPr lang="nl-NL" sz="1600" dirty="0" smtClean="0">
+                <a:latin typeface="+mj-lt"/>
+              </a:rPr>
+              <a:t>b, </a:t>
+            </a:r>
+            <a:r>
+              <a:rPr lang="nl-NL" sz="1600" dirty="0">
+                <a:latin typeface="+mj-lt"/>
+              </a:rPr>
+              <a:t>squares </a:t>
+            </a:r>
+            <a:r>
+              <a:rPr lang="nl-NL" sz="1600" b="1" dirty="0">
+                <a:solidFill>
+                  <a:srgbClr val="0000FF"/>
+                </a:solidFill>
+                <a:latin typeface="+mj-lt"/>
+              </a:rPr>
+              <a:t>as</a:t>
+            </a:r>
+            <a:r>
+              <a:rPr lang="nl-NL" sz="1600" dirty="0">
+                <a:latin typeface="+mj-lt"/>
+              </a:rPr>
+              <a:t> s</a:t>
+            </a:r>
+          </a:p>
+          <a:p>
+            <a:pPr lvl="2" algn="just"/>
+            <a:endParaRPr lang="nl-NL" sz="1600" b="1" dirty="0" smtClean="0">
+              <a:latin typeface="+mn-lt"/>
+            </a:endParaRPr>
+          </a:p>
+          <a:p>
+            <a:pPr algn="just"/>
+            <a:endParaRPr lang="nl-NL" sz="1600" b="1" dirty="0"/>
+          </a:p>
+          <a:p>
+            <a:pPr algn="just"/>
+            <a:endParaRPr lang="nl-NL" sz="1600" b="1" dirty="0"/>
+          </a:p>
+          <a:p>
+            <a:pPr algn="just"/>
+            <a:endParaRPr lang="nl-NL" sz="1600" b="1" dirty="0" smtClean="0"/>
+          </a:p>
+          <a:p>
+            <a:pPr algn="ctr"/>
+            <a:endParaRPr lang="nl-NL" sz="1600" b="1" dirty="0">
+              <a:solidFill>
+                <a:srgbClr val="FF0000"/>
+              </a:solidFill>
+            </a:endParaRPr>
+          </a:p>
+          <a:p>
+            <a:pPr algn="ctr"/>
+            <a:endParaRPr lang="nl-NL" sz="1600" b="1" dirty="0" smtClean="0">
+              <a:solidFill>
+                <a:srgbClr val="FF0000"/>
+              </a:solidFill>
+            </a:endParaRPr>
+          </a:p>
+        </p:txBody>
+      </p:sp>
+      <p:pic>
+        <p:nvPicPr>
+          <p:cNvPr id="16" name="Picture 2"/>
+          <p:cNvPicPr>
+            <a:picLocks noChangeAspect="1" noChangeArrowheads="1"/>
+          </p:cNvPicPr>
+          <p:nvPr/>
+        </p:nvPicPr>
+        <p:blipFill>
+          <a:blip r:embed="rId4">
+            <a:extLst>
+              <a:ext uri="{28A0092B-C50C-407E-A947-70E740481C1C}">
+                <a14:useLocalDpi xmlns:a14="http://schemas.microsoft.com/office/drawing/2010/main" val="0"/>
+              </a:ext>
+            </a:extLst>
+          </a:blip>
+          <a:srcRect/>
+          <a:stretch>
+            <a:fillRect/>
+          </a:stretch>
+        </p:blipFill>
+        <p:spPr bwMode="auto">
+          <a:xfrm>
+            <a:off x="5644798" y="2664337"/>
+            <a:ext cx="1805191" cy="1083115"/>
+          </a:xfrm>
+          <a:prstGeom prst="rect">
+            <a:avLst/>
+          </a:prstGeom>
+          <a:noFill/>
+          <a:ln>
+            <a:noFill/>
+          </a:ln>
+          <a:extLst>
+            <a:ext uri="{909E8E84-426E-40DD-AFC4-6F175D3DCCD1}">
+              <a14:hiddenFill xmlns:a14="http://schemas.microsoft.com/office/drawing/2010/main">
+                <a:solidFill>
+                  <a:schemeClr val="accent1"/>
+                </a:solidFill>
+              </a14:hiddenFill>
+            </a:ext>
+            <a:ext uri="{91240B29-F687-4F45-9708-019B960494DF}">
+              <a14:hiddenLine xmlns:a14="http://schemas.microsoft.com/office/drawing/2010/main" w="9525">
+                <a:solidFill>
+                  <a:schemeClr val="tx1"/>
+                </a:solidFill>
+                <a:miter lim="800000"/>
+                <a:headEnd/>
+                <a:tailEnd/>
+              </a14:hiddenLine>
+            </a:ext>
+          </a:extLst>
+        </p:spPr>
+      </p:pic>
+      <p:pic>
+        <p:nvPicPr>
+          <p:cNvPr id="17" name="Picture 3"/>
+          <p:cNvPicPr>
+            <a:picLocks noChangeAspect="1" noChangeArrowheads="1"/>
+          </p:cNvPicPr>
+          <p:nvPr/>
+        </p:nvPicPr>
+        <p:blipFill>
+          <a:blip r:embed="rId5">
+            <a:extLst>
+              <a:ext uri="{28A0092B-C50C-407E-A947-70E740481C1C}">
+                <a14:useLocalDpi xmlns:a14="http://schemas.microsoft.com/office/drawing/2010/main" val="0"/>
+              </a:ext>
+            </a:extLst>
+          </a:blip>
+          <a:srcRect/>
+          <a:stretch>
+            <a:fillRect/>
+          </a:stretch>
+        </p:blipFill>
+        <p:spPr bwMode="auto">
+          <a:xfrm>
+            <a:off x="6145212" y="4324576"/>
+            <a:ext cx="1612750" cy="809329"/>
+          </a:xfrm>
+          <a:prstGeom prst="rect">
+            <a:avLst/>
+          </a:prstGeom>
+          <a:noFill/>
+          <a:ln>
+            <a:noFill/>
+          </a:ln>
+          <a:extLst>
+            <a:ext uri="{909E8E84-426E-40DD-AFC4-6F175D3DCCD1}">
+              <a14:hiddenFill xmlns:a14="http://schemas.microsoft.com/office/drawing/2010/main">
+                <a:solidFill>
+                  <a:schemeClr val="accent1"/>
+                </a:solidFill>
+              </a14:hiddenFill>
+            </a:ext>
+            <a:ext uri="{91240B29-F687-4F45-9708-019B960494DF}">
+              <a14:hiddenLine xmlns:a14="http://schemas.microsoft.com/office/drawing/2010/main" w="9525">
+                <a:solidFill>
+                  <a:schemeClr val="tx1"/>
+                </a:solidFill>
+                <a:miter lim="800000"/>
+                <a:headEnd/>
+                <a:tailEnd/>
+              </a14:hiddenLine>
+            </a:ext>
+          </a:extLst>
+        </p:spPr>
+      </p:pic>
+      <p:pic>
+        <p:nvPicPr>
+          <p:cNvPr id="20" name="Picture 4"/>
+          <p:cNvPicPr>
+            <a:picLocks noChangeAspect="1" noChangeArrowheads="1"/>
+          </p:cNvPicPr>
+          <p:nvPr/>
+        </p:nvPicPr>
+        <p:blipFill>
+          <a:blip r:embed="rId6">
+            <a:extLst>
+              <a:ext uri="{28A0092B-C50C-407E-A947-70E740481C1C}">
+                <a14:useLocalDpi xmlns:a14="http://schemas.microsoft.com/office/drawing/2010/main" val="0"/>
+              </a:ext>
+            </a:extLst>
+          </a:blip>
+          <a:srcRect/>
+          <a:stretch>
+            <a:fillRect/>
+          </a:stretch>
+        </p:blipFill>
+        <p:spPr bwMode="auto">
+          <a:xfrm>
+            <a:off x="6279965" y="5784783"/>
+            <a:ext cx="1612750" cy="889365"/>
+          </a:xfrm>
+          <a:prstGeom prst="rect">
+            <a:avLst/>
+          </a:prstGeom>
+          <a:noFill/>
+          <a:ln>
+            <a:noFill/>
+          </a:ln>
+          <a:extLst>
+            <a:ext uri="{909E8E84-426E-40DD-AFC4-6F175D3DCCD1}">
+              <a14:hiddenFill xmlns:a14="http://schemas.microsoft.com/office/drawing/2010/main">
+                <a:solidFill>
+                  <a:schemeClr val="accent1"/>
+                </a:solidFill>
+              </a14:hiddenFill>
+            </a:ext>
+            <a:ext uri="{91240B29-F687-4F45-9708-019B960494DF}">
+              <a14:hiddenLine xmlns:a14="http://schemas.microsoft.com/office/drawing/2010/main" w="9525">
+                <a:solidFill>
+                  <a:schemeClr val="tx1"/>
+                </a:solidFill>
+                <a:miter lim="800000"/>
+                <a:headEnd/>
+                <a:tailEnd/>
+              </a14:hiddenLine>
+            </a:ext>
+          </a:extLst>
+        </p:spPr>
+      </p:pic>
+      <p:sp>
+        <p:nvSpPr>
+          <p:cNvPr id="3" name="Right Brace 2"/>
+          <p:cNvSpPr/>
+          <p:nvPr/>
+        </p:nvSpPr>
+        <p:spPr>
+          <a:xfrm>
+            <a:off x="5060882" y="2664337"/>
+            <a:ext cx="317634" cy="1049154"/>
+          </a:xfrm>
+          <a:prstGeom prst="rightBrace">
+            <a:avLst>
+              <a:gd name="adj1" fmla="val 8333"/>
+              <a:gd name="adj2" fmla="val 51515"/>
+            </a:avLst>
+          </a:prstGeom>
+          <a:ln>
+            <a:solidFill>
+              <a:schemeClr val="tx1">
+                <a:lumMod val="95000"/>
+                <a:lumOff val="5000"/>
+              </a:schemeClr>
+            </a:solidFill>
+          </a:ln>
+        </p:spPr>
+        <p:style>
+          <a:lnRef idx="1">
+            <a:schemeClr val="accent1"/>
+          </a:lnRef>
+          <a:fillRef idx="0">
+            <a:schemeClr val="accent1"/>
+          </a:fillRef>
+          <a:effectRef idx="0">
+            <a:schemeClr val="accent1"/>
+          </a:effectRef>
+          <a:fontRef idx="minor">
+            <a:schemeClr val="tx1"/>
+          </a:fontRef>
+        </p:style>
+        <p:txBody>
+          <a:bodyPr rtlCol="0" anchor="ctr"/>
+          <a:lstStyle/>
+          <a:p>
+            <a:pPr algn="ctr"/>
+            <a:endParaRPr lang="pt-PT"/>
+          </a:p>
+        </p:txBody>
+      </p:sp>
+      <p:sp>
+        <p:nvSpPr>
+          <p:cNvPr id="21" name="Right Brace 20"/>
+          <p:cNvSpPr/>
+          <p:nvPr/>
+        </p:nvSpPr>
+        <p:spPr>
+          <a:xfrm>
+            <a:off x="5404582" y="4324576"/>
+            <a:ext cx="317634" cy="838024"/>
+          </a:xfrm>
+          <a:prstGeom prst="rightBrace">
+            <a:avLst>
+              <a:gd name="adj1" fmla="val 8333"/>
+              <a:gd name="adj2" fmla="val 51515"/>
+            </a:avLst>
+          </a:prstGeom>
+          <a:ln>
+            <a:solidFill>
+              <a:schemeClr val="tx1">
+                <a:lumMod val="95000"/>
+                <a:lumOff val="5000"/>
+              </a:schemeClr>
+            </a:solidFill>
+          </a:ln>
+        </p:spPr>
+        <p:style>
+          <a:lnRef idx="1">
+            <a:schemeClr val="accent1"/>
+          </a:lnRef>
+          <a:fillRef idx="0">
+            <a:schemeClr val="accent1"/>
+          </a:fillRef>
+          <a:effectRef idx="0">
+            <a:schemeClr val="accent1"/>
+          </a:effectRef>
+          <a:fontRef idx="minor">
+            <a:schemeClr val="tx1"/>
+          </a:fontRef>
+        </p:style>
+        <p:txBody>
+          <a:bodyPr rtlCol="0" anchor="ctr"/>
+          <a:lstStyle/>
+          <a:p>
+            <a:pPr algn="ctr"/>
+            <a:endParaRPr lang="pt-PT"/>
+          </a:p>
+        </p:txBody>
+      </p:sp>
+      <p:sp>
+        <p:nvSpPr>
+          <p:cNvPr id="22" name="Right Brace 21"/>
+          <p:cNvSpPr/>
+          <p:nvPr/>
+        </p:nvSpPr>
+        <p:spPr>
+          <a:xfrm>
+            <a:off x="5827578" y="5689760"/>
+            <a:ext cx="317634" cy="838024"/>
+          </a:xfrm>
+          <a:prstGeom prst="rightBrace">
+            <a:avLst>
+              <a:gd name="adj1" fmla="val 8333"/>
+              <a:gd name="adj2" fmla="val 51515"/>
+            </a:avLst>
+          </a:prstGeom>
+          <a:ln>
+            <a:solidFill>
+              <a:schemeClr val="tx1">
+                <a:lumMod val="95000"/>
+                <a:lumOff val="5000"/>
+              </a:schemeClr>
+            </a:solidFill>
+          </a:ln>
+        </p:spPr>
+        <p:style>
+          <a:lnRef idx="1">
+            <a:schemeClr val="accent1"/>
+          </a:lnRef>
+          <a:fillRef idx="0">
+            <a:schemeClr val="accent1"/>
+          </a:fillRef>
+          <a:effectRef idx="0">
+            <a:schemeClr val="accent1"/>
+          </a:effectRef>
+          <a:fontRef idx="minor">
+            <a:schemeClr val="tx1"/>
+          </a:fontRef>
+        </p:style>
+        <p:txBody>
+          <a:bodyPr rtlCol="0" anchor="ctr"/>
+          <a:lstStyle/>
+          <a:p>
+            <a:pPr algn="ctr"/>
+            <a:endParaRPr lang="pt-PT"/>
+          </a:p>
+        </p:txBody>
+      </p:sp>
+    </p:spTree>
+    <p:extLst>
+      <p:ext uri="{BB962C8B-B14F-4D97-AF65-F5344CB8AC3E}">
+        <p14:creationId xmlns:p14="http://schemas.microsoft.com/office/powerpoint/2010/main" val="4149058691"/>
+      </p:ext>
+    </p:extLst>
+  </p:cSld>
+  <p:clrMapOvr>
+    <a:masterClrMapping/>
+  </p:clrMapOvr>
+  <mc:AlternateContent xmlns:mc="http://schemas.openxmlformats.org/markup-compatibility/2006" xmlns:p14="http://schemas.microsoft.com/office/powerpoint/2010/main">
+    <mc:Choice Requires="p14">
+      <p:transition spd="slow" p14:dur="2000"/>
+    </mc:Choice>
+    <mc:Fallback xmlns="">
+      <p:transition spd="slow"/>
+    </mc:Fallback>
+  </mc:AlternateContent>
+  <p:timing>
+    <p:tnLst>
+      <p:par>
+        <p:cTn id="1" dur="indefinite" restart="never" nodeType="tmRoot"/>
+      </p:par>
+    </p:tnLst>
+  </p:timing>
+</p:sld>
+</file>
+
+<file path=ppt/slides/slide6.xml><?xml version="1.0" encoding="utf-8"?>
 <p:sld xmlns:a="http://schemas.openxmlformats.org/drawingml/2006/main" xmlns:r="http://schemas.openxmlformats.org/officeDocument/2006/relationships" xmlns:p="http://schemas.openxmlformats.org/presentationml/2006/main">
   <p:cSld name="Slide3">
     <p:spTree>
@@ -5327,7 +8157,7 @@
           <p:cNvPr id="5" name="Picture 4">
             <a:extLst>
               <a:ext uri="{FF2B5EF4-FFF2-40B4-BE49-F238E27FC236}">
-                <a16:creationId xmlns:a16="http://schemas.microsoft.com/office/drawing/2014/main" id="{00000000-0000-0000-0000-000000000000}"/>
+                <a16:creationId xmlns:a16="http://schemas.microsoft.com/office/drawing/2014/main" xmlns="" id="{00000000-0000-0000-0000-000000000000}"/>
               </a:ext>
             </a:extLst>
           </p:cNvPr>
@@ -5660,7 +8490,7 @@
   <a:extraClrSchemeLst/>
   <a:extLst>
     <a:ext uri="{05A4C25C-085E-4340-85A3-A5531E510DB2}">
-      <thm15:themeFamily xmlns:thm15="http://schemas.microsoft.com/office/thememl/2012/main" name="Retrospect" id="{5F128B03-DCCA-4EEB-AB3B-CF2899314A46}" vid="{3F1AAB62-24C6-49D2-8E01-B56FAC9A3DCD}"/>
+      <thm15:themeFamily xmlns:thm15="http://schemas.microsoft.com/office/thememl/2012/main" xmlns="" name="Retrospect" id="{5F128B03-DCCA-4EEB-AB3B-CF2899314A46}" vid="{3F1AAB62-24C6-49D2-8E01-B56FAC9A3DCD}"/>
     </a:ext>
   </a:extLst>
 </a:theme>
@@ -5921,7 +8751,7 @@
   <a:extraClrSchemeLst/>
   <a:extLst>
     <a:ext uri="{05A4C25C-085E-4340-85A3-A5531E510DB2}">
-      <thm15:themeFamily xmlns:thm15="http://schemas.microsoft.com/office/thememl/2012/main" name="Office Theme" id="{62F939B6-93AF-4DB8-9C6B-D6C7DFDC589F}" vid="{4A3C46E8-61CC-4603-A589-7422A47A8E4A}"/>
+      <thm15:themeFamily xmlns:thm15="http://schemas.microsoft.com/office/thememl/2012/main" xmlns="" name="Office Theme" id="{62F939B6-93AF-4DB8-9C6B-D6C7DFDC589F}" vid="{4A3C46E8-61CC-4603-A589-7422A47A8E4A}"/>
     </a:ext>
   </a:extLst>
 </a:theme>
@@ -6182,7 +9012,7 @@
   <a:extraClrSchemeLst/>
   <a:extLst>
     <a:ext uri="{05A4C25C-085E-4340-85A3-A5531E510DB2}">
-      <thm15:themeFamily xmlns:thm15="http://schemas.microsoft.com/office/thememl/2012/main" name="Office Theme" id="{62F939B6-93AF-4DB8-9C6B-D6C7DFDC589F}" vid="{4A3C46E8-61CC-4603-A589-7422A47A8E4A}"/>
+      <thm15:themeFamily xmlns:thm15="http://schemas.microsoft.com/office/thememl/2012/main" xmlns="" name="Office Theme" id="{62F939B6-93AF-4DB8-9C6B-D6C7DFDC589F}" vid="{4A3C46E8-61CC-4603-A589-7422A47A8E4A}"/>
     </a:ext>
   </a:extLst>
 </a:theme>

--- a/presentation.pptx
+++ b/presentation.pptx
@@ -117,7 +117,18 @@
   </p:defaultTextStyle>
   <p:extLst>
     <p:ext uri="{EFAFB233-063F-42B5-8137-9DF3F51BA10A}">
-      <p15:sldGuideLst xmlns:p15="http://schemas.microsoft.com/office/powerpoint/2012/main" xmlns=""/>
+      <p15:sldGuideLst xmlns:p15="http://schemas.microsoft.com/office/powerpoint/2012/main">
+        <p15:guide id="1" orient="horz" pos="2381">
+          <p15:clr>
+            <a:srgbClr val="A4A3A4"/>
+          </p15:clr>
+        </p15:guide>
+        <p15:guide id="2" pos="3175">
+          <p15:clr>
+            <a:srgbClr val="A4A3A4"/>
+          </p15:clr>
+        </p15:guide>
+      </p15:sldGuideLst>
     </p:ext>
   </p:extLst>
 </p:presentation>
@@ -5291,7 +5302,7 @@
   </p:txStyles>
   <p:extLst>
     <p:ext uri="{27BBF7A9-308A-43DC-89C8-2F10F3537804}">
-      <p15:sldGuideLst xmlns:p15="http://schemas.microsoft.com/office/powerpoint/2012/main" xmlns=""/>
+      <p15:sldGuideLst xmlns:p15="http://schemas.microsoft.com/office/powerpoint/2012/main"/>
     </p:ext>
   </p:extLst>
 </p:sldMaster>
@@ -5377,7 +5388,7 @@
           <p:cNvPr id="4" name="Picture 3">
             <a:extLst>
               <a:ext uri="{FF2B5EF4-FFF2-40B4-BE49-F238E27FC236}">
-                <a16:creationId xmlns:a16="http://schemas.microsoft.com/office/drawing/2014/main" xmlns="" id="{00000000-0000-0000-0000-000000000000}"/>
+                <a16:creationId xmlns:a16="http://schemas.microsoft.com/office/drawing/2014/main" id="{00000000-0000-0000-0000-000000000000}"/>
               </a:ext>
             </a:extLst>
           </p:cNvPr>
@@ -5496,7 +5507,7 @@
           <p:cNvPr id="5" name="Picture 4">
             <a:extLst>
               <a:ext uri="{FF2B5EF4-FFF2-40B4-BE49-F238E27FC236}">
-                <a16:creationId xmlns:a16="http://schemas.microsoft.com/office/drawing/2014/main" xmlns="" id="{00000000-0000-0000-0000-000000000000}"/>
+                <a16:creationId xmlns:a16="http://schemas.microsoft.com/office/drawing/2014/main" id="{00000000-0000-0000-0000-000000000000}"/>
               </a:ext>
             </a:extLst>
           </p:cNvPr>
@@ -5595,8 +5606,8 @@
         </p:nvSpPr>
         <p:spPr>
           <a:xfrm>
-            <a:off x="635267" y="1482291"/>
-            <a:ext cx="8364354" cy="2585323"/>
+            <a:off x="149629" y="1559876"/>
+            <a:ext cx="9736973" cy="4154984"/>
           </a:xfrm>
           <a:prstGeom prst="rect">
             <a:avLst/>
@@ -5610,74 +5621,84 @@
           <a:lstStyle/>
           <a:p>
             <a:r>
+              <a:rPr lang="pt-PT" sz="2400" dirty="0" smtClean="0"/>
+              <a:t>With PostGIS you can have the best of two worlds:</a:t>
+            </a:r>
+          </a:p>
+          <a:p>
+            <a:endParaRPr lang="pt-PT" sz="2400" dirty="0" smtClean="0"/>
+          </a:p>
+          <a:p>
+            <a:r>
+              <a:rPr lang="pt-PT" sz="2400" dirty="0" smtClean="0"/>
+              <a:t>	&gt; The A</a:t>
+            </a:r>
+            <a:r>
               <a:rPr lang="pt-PT" dirty="0" smtClean="0"/>
-              <a:t>With PostGIS you can have the best of two worlds:</a:t>
-            </a:r>
-          </a:p>
-          <a:p>
-            <a:endParaRPr lang="pt-PT" dirty="0" smtClean="0"/>
-          </a:p>
-          <a:p>
+              <a:t>tomicity</a:t>
+            </a:r>
+            <a:r>
+              <a:rPr lang="pt-PT" sz="2400" dirty="0" smtClean="0"/>
+              <a:t> C</a:t>
+            </a:r>
             <a:r>
               <a:rPr lang="pt-PT" dirty="0" smtClean="0"/>
-              <a:t>	&gt; The A</a:t>
-            </a:r>
-            <a:r>
-              <a:rPr lang="pt-PT" sz="800" dirty="0" smtClean="0"/>
-              <a:t>tomicity</a:t>
+              <a:t>onsistency</a:t>
+            </a:r>
+            <a:r>
+              <a:rPr lang="pt-PT" sz="2400" dirty="0" smtClean="0"/>
+              <a:t> I</a:t>
             </a:r>
             <a:r>
               <a:rPr lang="pt-PT" dirty="0" smtClean="0"/>
-              <a:t> C</a:t>
-            </a:r>
-            <a:r>
-              <a:rPr lang="pt-PT" sz="800" dirty="0" smtClean="0"/>
-              <a:t>onsistency</a:t>
+              <a:t>solation</a:t>
+            </a:r>
+            <a:r>
+              <a:rPr lang="pt-PT" sz="2400" dirty="0" smtClean="0"/>
+              <a:t> D</a:t>
             </a:r>
             <a:r>
               <a:rPr lang="pt-PT" dirty="0" smtClean="0"/>
-              <a:t> I</a:t>
-            </a:r>
-            <a:r>
-              <a:rPr lang="pt-PT" sz="800" dirty="0" smtClean="0"/>
-              <a:t>solation</a:t>
-            </a:r>
-            <a:r>
-              <a:rPr lang="pt-PT" dirty="0" smtClean="0"/>
-              <a:t> D</a:t>
-            </a:r>
-            <a:r>
-              <a:rPr lang="pt-PT" sz="800" dirty="0" smtClean="0"/>
               <a:t>urability</a:t>
             </a:r>
             <a:r>
-              <a:rPr lang="pt-PT" dirty="0" smtClean="0"/>
-              <a:t>  properties of a database;</a:t>
-            </a:r>
-          </a:p>
-          <a:p>
-            <a:r>
-              <a:rPr lang="pt-PT" dirty="0" smtClean="0"/>
+              <a:rPr lang="pt-PT" sz="2400" dirty="0" smtClean="0"/>
+              <a:t>  properties of a database</a:t>
+            </a:r>
+            <a:r>
+              <a:rPr lang="pt-PT" sz="2400" dirty="0" smtClean="0"/>
+              <a:t>;</a:t>
+            </a:r>
+          </a:p>
+          <a:p>
+            <a:endParaRPr lang="pt-PT" sz="2400" dirty="0" smtClean="0"/>
+          </a:p>
+          <a:p>
+            <a:r>
+              <a:rPr lang="pt-PT" sz="2400" dirty="0" smtClean="0"/>
               <a:t>	&gt; The spatial analytical capabilities of a GIS;</a:t>
             </a:r>
           </a:p>
           <a:p>
-            <a:endParaRPr lang="pt-PT" dirty="0"/>
-          </a:p>
-          <a:p>
-            <a:r>
-              <a:rPr lang="pt-PT" dirty="0" smtClean="0"/>
+            <a:endParaRPr lang="pt-PT" sz="2400" dirty="0" smtClean="0"/>
+          </a:p>
+          <a:p>
+            <a:endParaRPr lang="pt-PT" sz="2400" dirty="0"/>
+          </a:p>
+          <a:p>
+            <a:r>
+              <a:rPr lang="pt-PT" sz="2400" dirty="0" smtClean="0"/>
               <a:t>     But, what does that mean?</a:t>
             </a:r>
           </a:p>
           <a:p>
-            <a:endParaRPr lang="pt-PT" dirty="0"/>
-          </a:p>
-          <a:p>
-            <a:endParaRPr lang="pt-PT" dirty="0" smtClean="0"/>
-          </a:p>
-          <a:p>
-            <a:endParaRPr lang="pt-PT" dirty="0"/>
+            <a:endParaRPr lang="pt-PT" sz="2400" dirty="0"/>
+          </a:p>
+          <a:p>
+            <a:endParaRPr lang="pt-PT" sz="2400" dirty="0" smtClean="0"/>
+          </a:p>
+          <a:p>
+            <a:endParaRPr lang="pt-PT" sz="2400" dirty="0"/>
           </a:p>
         </p:txBody>
       </p:sp>
@@ -5689,8 +5710,8 @@
         </p:nvSpPr>
         <p:spPr>
           <a:xfrm>
-            <a:off x="787667" y="4291264"/>
-            <a:ext cx="8364354" cy="1477328"/>
+            <a:off x="282831" y="4914641"/>
+            <a:ext cx="9676013" cy="1600438"/>
           </a:xfrm>
           <a:prstGeom prst="rect">
             <a:avLst/>
@@ -5704,7 +5725,7 @@
           <a:lstStyle/>
           <a:p>
             <a:r>
-              <a:rPr lang="pt-PT" sz="3600" b="1" dirty="0">
+              <a:rPr lang="pt-PT" sz="4400" b="1" dirty="0">
                 <a:solidFill>
                   <a:srgbClr val="FF0000"/>
                 </a:solidFill>
@@ -5844,7 +5865,7 @@
           <p:cNvPr id="5" name="Picture 4">
             <a:extLst>
               <a:ext uri="{FF2B5EF4-FFF2-40B4-BE49-F238E27FC236}">
-                <a16:creationId xmlns:a16="http://schemas.microsoft.com/office/drawing/2014/main" xmlns="" id="{00000000-0000-0000-0000-000000000000}"/>
+                <a16:creationId xmlns:a16="http://schemas.microsoft.com/office/drawing/2014/main" id="{00000000-0000-0000-0000-000000000000}"/>
               </a:ext>
             </a:extLst>
           </p:cNvPr>
@@ -5943,8 +5964,8 @@
         </p:nvSpPr>
         <p:spPr>
           <a:xfrm>
-            <a:off x="635267" y="1482291"/>
-            <a:ext cx="8364354" cy="369332"/>
+            <a:off x="332707" y="1425340"/>
+            <a:ext cx="8364354" cy="523220"/>
           </a:xfrm>
           <a:prstGeom prst="rect">
             <a:avLst/>
@@ -5958,11 +5979,11 @@
           <a:lstStyle/>
           <a:p>
             <a:r>
-              <a:rPr lang="pt-PT" dirty="0" smtClean="0"/>
+              <a:rPr lang="pt-PT" sz="2800" dirty="0" smtClean="0"/>
               <a:t>PostGIS is an </a:t>
             </a:r>
             <a:r>
-              <a:rPr lang="pt-PT" b="1" dirty="0" smtClean="0">
+              <a:rPr lang="pt-PT" sz="2800" b="1" dirty="0" smtClean="0">
                 <a:solidFill>
                   <a:srgbClr val="FF0000"/>
                 </a:solidFill>
@@ -5970,7 +5991,7 @@
               <a:t>extension</a:t>
             </a:r>
             <a:r>
-              <a:rPr lang="pt-PT" dirty="0" smtClean="0">
+              <a:rPr lang="pt-PT" sz="2800" dirty="0" smtClean="0">
                 <a:solidFill>
                   <a:srgbClr val="FF0000"/>
                 </a:solidFill>
@@ -5978,10 +5999,10 @@
               <a:t> </a:t>
             </a:r>
             <a:r>
-              <a:rPr lang="pt-PT" dirty="0" smtClean="0"/>
+              <a:rPr lang="pt-PT" sz="2800" dirty="0" smtClean="0"/>
               <a:t>to PostgreSQL</a:t>
             </a:r>
-            <a:endParaRPr lang="pt-PT" sz="3200" b="1" dirty="0">
+            <a:endParaRPr lang="pt-PT" sz="2800" b="1" dirty="0">
               <a:solidFill>
                 <a:srgbClr val="FF0000"/>
               </a:solidFill>
@@ -6196,7 +6217,7 @@
           <p:cNvPr id="5" name="Picture 4">
             <a:extLst>
               <a:ext uri="{FF2B5EF4-FFF2-40B4-BE49-F238E27FC236}">
-                <a16:creationId xmlns:a16="http://schemas.microsoft.com/office/drawing/2014/main" xmlns="" id="{00000000-0000-0000-0000-000000000000}"/>
+                <a16:creationId xmlns:a16="http://schemas.microsoft.com/office/drawing/2014/main" id="{00000000-0000-0000-0000-000000000000}"/>
               </a:ext>
             </a:extLst>
           </p:cNvPr>
@@ -6295,8 +6316,8 @@
         </p:nvSpPr>
         <p:spPr>
           <a:xfrm>
-            <a:off x="635267" y="1482291"/>
-            <a:ext cx="8364354" cy="369332"/>
+            <a:off x="512946" y="1387247"/>
+            <a:ext cx="8364354" cy="461665"/>
           </a:xfrm>
           <a:prstGeom prst="rect">
             <a:avLst/>
@@ -6310,11 +6331,11 @@
           <a:lstStyle/>
           <a:p>
             <a:r>
-              <a:rPr lang="pt-PT" dirty="0" smtClean="0"/>
+              <a:rPr lang="pt-PT" sz="2400" dirty="0" smtClean="0"/>
               <a:t>PostGIS is based on OGC’s </a:t>
             </a:r>
             <a:r>
-              <a:rPr lang="pt-PT" b="1" dirty="0" smtClean="0">
+              <a:rPr lang="pt-PT" sz="2400" b="1" dirty="0" smtClean="0">
                 <a:solidFill>
                   <a:srgbClr val="FF0000"/>
                 </a:solidFill>
@@ -6322,10 +6343,10 @@
               <a:t>Simple Feature Access </a:t>
             </a:r>
             <a:r>
-              <a:rPr lang="pt-PT" dirty="0" smtClean="0"/>
+              <a:rPr lang="pt-PT" sz="2400" dirty="0" smtClean="0"/>
               <a:t>standard</a:t>
             </a:r>
-            <a:endParaRPr lang="pt-PT" sz="3200" b="1" dirty="0">
+            <a:endParaRPr lang="pt-PT" sz="2400" b="1" dirty="0">
               <a:solidFill>
                 <a:srgbClr val="FF0000"/>
               </a:solidFill>
@@ -7006,7 +7027,7 @@
           <p:cNvPr id="5" name="Picture 4">
             <a:extLst>
               <a:ext uri="{FF2B5EF4-FFF2-40B4-BE49-F238E27FC236}">
-                <a16:creationId xmlns:a16="http://schemas.microsoft.com/office/drawing/2014/main" xmlns="" id="{00000000-0000-0000-0000-000000000000}"/>
+                <a16:creationId xmlns:a16="http://schemas.microsoft.com/office/drawing/2014/main" id="{00000000-0000-0000-0000-000000000000}"/>
               </a:ext>
             </a:extLst>
           </p:cNvPr>
@@ -7155,8 +7176,8 @@
         </p:nvSpPr>
         <p:spPr>
           <a:xfrm>
-            <a:off x="1562099" y="2217393"/>
-            <a:ext cx="7315201" cy="5755422"/>
+            <a:off x="1230285" y="2217393"/>
+            <a:ext cx="7647016" cy="5755422"/>
           </a:xfrm>
           <a:prstGeom prst="rect">
             <a:avLst/>
@@ -7176,9 +7197,6 @@
               </a:rPr>
               <a:t>ST_Buffer</a:t>
             </a:r>
-            <a:endParaRPr lang="nl-NL" sz="1600" b="1" dirty="0" smtClean="0">
-              <a:latin typeface="+mn-lt"/>
-            </a:endParaRPr>
           </a:p>
           <a:p>
             <a:pPr marL="533400" lvl="2" indent="-266700" algn="just"/>
@@ -7207,34 +7225,20 @@
               <a:t> </a:t>
             </a:r>
             <a:r>
-              <a:rPr lang="nl-NL" sz="1600" dirty="0" err="1" smtClean="0">
-                <a:latin typeface="+mn-lt"/>
-              </a:rPr>
-              <a:t>id</a:t>
-            </a:r>
-            <a:r>
               <a:rPr lang="nl-NL" sz="1600" dirty="0" smtClean="0">
                 <a:latin typeface="+mn-lt"/>
               </a:rPr>
-              <a:t>, </a:t>
-            </a:r>
-            <a:r>
-              <a:rPr lang="nl-NL" sz="1600" dirty="0" err="1" smtClean="0">
-                <a:latin typeface="+mn-lt"/>
-              </a:rPr>
-              <a:t>st_buffer</a:t>
+              <a:t>id, </a:t>
+            </a:r>
+            <a:r>
+              <a:rPr lang="nl-NL" sz="1600" dirty="0" smtClean="0"/>
+              <a:t>ST</a:t>
             </a:r>
             <a:r>
               <a:rPr lang="nl-NL" sz="1600" dirty="0" smtClean="0">
                 <a:latin typeface="+mn-lt"/>
               </a:rPr>
-              <a:t>(</a:t>
-            </a:r>
-            <a:r>
-              <a:rPr lang="nl-NL" sz="1600" dirty="0" err="1" smtClean="0">
-                <a:latin typeface="+mn-lt"/>
-              </a:rPr>
-              <a:t>geom</a:t>
+              <a:t>_Buffer(geom</a:t>
             </a:r>
             <a:r>
               <a:rPr lang="nl-NL" sz="1600" dirty="0" smtClean="0">
@@ -7390,10 +7394,14 @@
               <a:t> </a:t>
             </a:r>
             <a:r>
+              <a:rPr lang="nl-NL" sz="1600" dirty="0"/>
+              <a:t>a</a:t>
+            </a:r>
+            <a:r>
               <a:rPr lang="nl-NL" sz="1600" dirty="0" smtClean="0">
                 <a:latin typeface="+mn-lt"/>
               </a:rPr>
-              <a:t>l.id</a:t>
+              <a:t>.id</a:t>
             </a:r>
             <a:r>
               <a:rPr lang="nl-NL" sz="1600" dirty="0">
@@ -7402,22 +7410,14 @@
               <a:t>, </a:t>
             </a:r>
             <a:r>
-              <a:rPr lang="nl-NL" sz="1600" dirty="0" err="1" smtClean="0">
-                <a:latin typeface="+mn-lt"/>
-              </a:rPr>
-              <a:t>st_within</a:t>
+              <a:rPr lang="nl-NL" sz="1600" dirty="0" smtClean="0"/>
+              <a:t>ST</a:t>
             </a:r>
             <a:r>
               <a:rPr lang="nl-NL" sz="1600" dirty="0" smtClean="0">
                 <a:latin typeface="+mn-lt"/>
               </a:rPr>
-              <a:t>(</a:t>
-            </a:r>
-            <a:r>
-              <a:rPr lang="nl-NL" sz="1600" dirty="0" err="1" smtClean="0">
-                <a:latin typeface="+mn-lt"/>
-              </a:rPr>
-              <a:t>l.geom</a:t>
+              <a:t>_Within(a.geom</a:t>
             </a:r>
             <a:r>
               <a:rPr lang="nl-NL" sz="1600" dirty="0" smtClean="0">
@@ -7426,10 +7426,10 @@
               <a:t>, </a:t>
             </a:r>
             <a:r>
-              <a:rPr lang="nl-NL" sz="1600" dirty="0" err="1" smtClean="0">
+              <a:rPr lang="nl-NL" sz="1600" dirty="0" smtClean="0">
                 <a:latin typeface="+mn-lt"/>
               </a:rPr>
-              <a:t>s.geom</a:t>
+              <a:t>b.geom</a:t>
             </a:r>
             <a:r>
               <a:rPr lang="nl-NL" sz="1600" dirty="0" smtClean="0">
@@ -7462,16 +7462,10 @@
               <a:t> </a:t>
             </a:r>
             <a:r>
-              <a:rPr lang="nl-NL" sz="1600" dirty="0" err="1" smtClean="0">
-                <a:latin typeface="+mn-lt"/>
-              </a:rPr>
-              <a:t>lamps</a:t>
-            </a:r>
-            <a:r>
               <a:rPr lang="nl-NL" sz="1600" dirty="0" smtClean="0">
                 <a:latin typeface="+mn-lt"/>
               </a:rPr>
-              <a:t> </a:t>
+              <a:t>lamps </a:t>
             </a:r>
             <a:r>
               <a:rPr lang="nl-NL" sz="1600" b="1" dirty="0" smtClean="0">
@@ -7486,7 +7480,19 @@
               <a:rPr lang="nl-NL" sz="1600" dirty="0" smtClean="0">
                 <a:latin typeface="+mn-lt"/>
               </a:rPr>
-              <a:t> l, squares </a:t>
+              <a:t> </a:t>
+            </a:r>
+            <a:r>
+              <a:rPr lang="nl-NL" sz="1600" dirty="0" smtClean="0">
+                <a:latin typeface="+mn-lt"/>
+              </a:rPr>
+              <a:t>a, </a:t>
+            </a:r>
+            <a:r>
+              <a:rPr lang="nl-NL" sz="1600" dirty="0" smtClean="0">
+                <a:latin typeface="+mn-lt"/>
+              </a:rPr>
+              <a:t>squares </a:t>
             </a:r>
             <a:r>
               <a:rPr lang="nl-NL" sz="1600" b="1" dirty="0" smtClean="0">
@@ -7501,7 +7507,13 @@
               <a:rPr lang="nl-NL" sz="1600" dirty="0" smtClean="0">
                 <a:latin typeface="+mn-lt"/>
               </a:rPr>
-              <a:t> s</a:t>
+              <a:t> </a:t>
+            </a:r>
+            <a:r>
+              <a:rPr lang="nl-NL" sz="1600" dirty="0" smtClean="0">
+                <a:latin typeface="+mn-lt"/>
+              </a:rPr>
+              <a:t>b</a:t>
             </a:r>
             <a:endParaRPr lang="nl-NL" sz="1600" dirty="0">
               <a:latin typeface="+mn-lt"/>
@@ -7543,7 +7555,6 @@
                 <a:solidFill>
                   <a:srgbClr val="0000FF"/>
                 </a:solidFill>
-                <a:latin typeface="+mj-lt"/>
               </a:rPr>
               <a:t>SELECT</a:t>
             </a:r>
@@ -7552,80 +7563,58 @@
                 <a:solidFill>
                   <a:srgbClr val="0000FF"/>
                 </a:solidFill>
-                <a:latin typeface="+mj-lt"/>
               </a:rPr>
-              <a:t> </a:t>
+              <a:t>  </a:t>
+            </a:r>
+            <a:r>
+              <a:rPr lang="nl-NL" sz="1600" dirty="0" smtClean="0"/>
+              <a:t>a.id</a:t>
+            </a:r>
+            <a:r>
+              <a:rPr lang="nl-NL" sz="1600" dirty="0"/>
+              <a:t>, </a:t>
+            </a:r>
+            <a:r>
+              <a:rPr lang="nl-NL" sz="1600" dirty="0" smtClean="0"/>
+              <a:t>ST</a:t>
+            </a:r>
+            <a:r>
+              <a:rPr lang="nl-NL" sz="1600" dirty="0" smtClean="0"/>
+              <a:t>_Intersection(a.geom</a:t>
+            </a:r>
+            <a:r>
+              <a:rPr lang="nl-NL" sz="1600" dirty="0"/>
+              <a:t>, </a:t>
+            </a:r>
+            <a:r>
+              <a:rPr lang="nl-NL" sz="1600" dirty="0" smtClean="0"/>
+              <a:t>b.geom</a:t>
+            </a:r>
+            <a:r>
+              <a:rPr lang="nl-NL" sz="1600" dirty="0"/>
+              <a:t>)</a:t>
+            </a:r>
+          </a:p>
+          <a:p>
+            <a:pPr marL="533400" lvl="2" algn="just"/>
+            <a:r>
+              <a:rPr lang="nl-NL" sz="1600" b="1" dirty="0" smtClean="0">
+                <a:solidFill>
+                  <a:srgbClr val="0000FF"/>
+                </a:solidFill>
+              </a:rPr>
+              <a:t>FROM </a:t>
             </a:r>
             <a:r>
               <a:rPr lang="nl-NL" sz="1600" dirty="0" smtClean="0">
                 <a:solidFill>
                   <a:srgbClr val="0000FF"/>
                 </a:solidFill>
-                <a:latin typeface="+mj-lt"/>
               </a:rPr>
               <a:t> </a:t>
             </a:r>
             <a:r>
-              <a:rPr lang="nl-NL" sz="1600" dirty="0" smtClean="0">
-                <a:latin typeface="+mj-lt"/>
-              </a:rPr>
-              <a:t>b.id</a:t>
-            </a:r>
-            <a:r>
-              <a:rPr lang="nl-NL" sz="1600" dirty="0">
-                <a:latin typeface="+mj-lt"/>
-              </a:rPr>
-              <a:t>, </a:t>
-            </a:r>
-            <a:r>
-              <a:rPr lang="nl-NL" sz="1600" dirty="0" smtClean="0">
-                <a:latin typeface="+mj-lt"/>
-              </a:rPr>
-              <a:t>st_intersection(</a:t>
-            </a:r>
-            <a:r>
-              <a:rPr lang="nl-NL" sz="1600" dirty="0">
-                <a:latin typeface="+mj-lt"/>
-              </a:rPr>
-              <a:t>b</a:t>
-            </a:r>
-            <a:r>
-              <a:rPr lang="nl-NL" sz="1600" dirty="0" smtClean="0">
-                <a:latin typeface="+mj-lt"/>
-              </a:rPr>
-              <a:t>.geom</a:t>
-            </a:r>
-            <a:r>
-              <a:rPr lang="nl-NL" sz="1600" dirty="0">
-                <a:latin typeface="+mj-lt"/>
-              </a:rPr>
-              <a:t>, s.geom)</a:t>
-            </a:r>
-          </a:p>
-          <a:p>
-            <a:pPr marL="533400" lvl="2" algn="just"/>
-            <a:r>
-              <a:rPr lang="nl-NL" sz="1600" b="1" dirty="0" smtClean="0">
-                <a:solidFill>
-                  <a:srgbClr val="0000FF"/>
-                </a:solidFill>
-                <a:latin typeface="+mj-lt"/>
-              </a:rPr>
-              <a:t>FROM </a:t>
-            </a:r>
-            <a:r>
-              <a:rPr lang="nl-NL" sz="1600" dirty="0" smtClean="0">
-                <a:solidFill>
-                  <a:srgbClr val="0000FF"/>
-                </a:solidFill>
-                <a:latin typeface="+mj-lt"/>
-              </a:rPr>
-              <a:t> </a:t>
-            </a:r>
-            <a:r>
-              <a:rPr lang="nl-NL" sz="1600" dirty="0" smtClean="0">
-                <a:latin typeface="+mj-lt"/>
-              </a:rPr>
+              <a:rPr lang="nl-NL" sz="1600" dirty="0" smtClean="0"/>
               <a:t>buldings </a:t>
             </a:r>
             <a:r>
@@ -7633,26 +7622,19 @@
                 <a:solidFill>
                   <a:srgbClr val="0000FF"/>
                 </a:solidFill>
-                <a:latin typeface="+mj-lt"/>
               </a:rPr>
               <a:t>as</a:t>
             </a:r>
             <a:r>
-              <a:rPr lang="nl-NL" sz="1600" dirty="0">
-                <a:latin typeface="+mj-lt"/>
-              </a:rPr>
+              <a:rPr lang="nl-NL" sz="1600" dirty="0"/>
               <a:t> </a:t>
             </a:r>
             <a:r>
-              <a:rPr lang="nl-NL" sz="1600" dirty="0" smtClean="0">
-                <a:latin typeface="+mj-lt"/>
-              </a:rPr>
-              <a:t>b, </a:t>
-            </a:r>
-            <a:r>
-              <a:rPr lang="nl-NL" sz="1600" dirty="0">
-                <a:latin typeface="+mj-lt"/>
-              </a:rPr>
+              <a:rPr lang="nl-NL" sz="1600" dirty="0" smtClean="0"/>
+              <a:t>a, </a:t>
+            </a:r>
+            <a:r>
+              <a:rPr lang="nl-NL" sz="1600" dirty="0"/>
               <a:t>squares </a:t>
             </a:r>
             <a:r>
@@ -7660,16 +7642,18 @@
                 <a:solidFill>
                   <a:srgbClr val="0000FF"/>
                 </a:solidFill>
-                <a:latin typeface="+mj-lt"/>
               </a:rPr>
               <a:t>as</a:t>
             </a:r>
             <a:r>
-              <a:rPr lang="nl-NL" sz="1600" dirty="0">
-                <a:latin typeface="+mj-lt"/>
-              </a:rPr>
-              <a:t> s</a:t>
-            </a:r>
+              <a:rPr lang="nl-NL" sz="1600" dirty="0"/>
+              <a:t> </a:t>
+            </a:r>
+            <a:r>
+              <a:rPr lang="nl-NL" sz="1600" dirty="0" smtClean="0"/>
+              <a:t>b</a:t>
+            </a:r>
+            <a:endParaRPr lang="nl-NL" sz="1600" dirty="0"/>
           </a:p>
           <a:p>
             <a:pPr lvl="2" algn="just"/>
@@ -8157,7 +8141,7 @@
           <p:cNvPr id="5" name="Picture 4">
             <a:extLst>
               <a:ext uri="{FF2B5EF4-FFF2-40B4-BE49-F238E27FC236}">
-                <a16:creationId xmlns:a16="http://schemas.microsoft.com/office/drawing/2014/main" xmlns="" id="{00000000-0000-0000-0000-000000000000}"/>
+                <a16:creationId xmlns:a16="http://schemas.microsoft.com/office/drawing/2014/main" id="{00000000-0000-0000-0000-000000000000}"/>
               </a:ext>
             </a:extLst>
           </p:cNvPr>
@@ -8490,7 +8474,7 @@
   <a:extraClrSchemeLst/>
   <a:extLst>
     <a:ext uri="{05A4C25C-085E-4340-85A3-A5531E510DB2}">
-      <thm15:themeFamily xmlns:thm15="http://schemas.microsoft.com/office/thememl/2012/main" xmlns="" name="Retrospect" id="{5F128B03-DCCA-4EEB-AB3B-CF2899314A46}" vid="{3F1AAB62-24C6-49D2-8E01-B56FAC9A3DCD}"/>
+      <thm15:themeFamily xmlns:thm15="http://schemas.microsoft.com/office/thememl/2012/main" name="Retrospect" id="{5F128B03-DCCA-4EEB-AB3B-CF2899314A46}" vid="{3F1AAB62-24C6-49D2-8E01-B56FAC9A3DCD}"/>
     </a:ext>
   </a:extLst>
 </a:theme>
@@ -8751,7 +8735,7 @@
   <a:extraClrSchemeLst/>
   <a:extLst>
     <a:ext uri="{05A4C25C-085E-4340-85A3-A5531E510DB2}">
-      <thm15:themeFamily xmlns:thm15="http://schemas.microsoft.com/office/thememl/2012/main" xmlns="" name="Office Theme" id="{62F939B6-93AF-4DB8-9C6B-D6C7DFDC589F}" vid="{4A3C46E8-61CC-4603-A589-7422A47A8E4A}"/>
+      <thm15:themeFamily xmlns:thm15="http://schemas.microsoft.com/office/thememl/2012/main" name="Office Theme" id="{62F939B6-93AF-4DB8-9C6B-D6C7DFDC589F}" vid="{4A3C46E8-61CC-4603-A589-7422A47A8E4A}"/>
     </a:ext>
   </a:extLst>
 </a:theme>
@@ -9012,7 +8996,7 @@
   <a:extraClrSchemeLst/>
   <a:extLst>
     <a:ext uri="{05A4C25C-085E-4340-85A3-A5531E510DB2}">
-      <thm15:themeFamily xmlns:thm15="http://schemas.microsoft.com/office/thememl/2012/main" xmlns="" name="Office Theme" id="{62F939B6-93AF-4DB8-9C6B-D6C7DFDC589F}" vid="{4A3C46E8-61CC-4603-A589-7422A47A8E4A}"/>
+      <thm15:themeFamily xmlns:thm15="http://schemas.microsoft.com/office/thememl/2012/main" name="Office Theme" id="{62F939B6-93AF-4DB8-9C6B-D6C7DFDC589F}" vid="{4A3C46E8-61CC-4603-A589-7422A47A8E4A}"/>
     </a:ext>
   </a:extLst>
 </a:theme>
